--- a/ctech403/module_4/CTECH403 Module 4 - CSVs.pptx
+++ b/ctech403/module_4/CTECH403 Module 4 - CSVs.pptx
@@ -5,7 +5,7 @@
     <p:sldMasterId id="2147483648" r:id="rId1"/>
   </p:sldMasterIdLst>
   <p:notesMasterIdLst>
-    <p:notesMasterId r:id="rId65"/>
+    <p:notesMasterId r:id="rId66"/>
   </p:notesMasterIdLst>
   <p:sldIdLst>
     <p:sldId id="272" r:id="rId2"/>
@@ -52,25 +52,26 @@
     <p:sldId id="310" r:id="rId43"/>
     <p:sldId id="331" r:id="rId44"/>
     <p:sldId id="311" r:id="rId45"/>
-    <p:sldId id="312" r:id="rId46"/>
-    <p:sldId id="313" r:id="rId47"/>
-    <p:sldId id="316" r:id="rId48"/>
-    <p:sldId id="314" r:id="rId49"/>
-    <p:sldId id="315" r:id="rId50"/>
-    <p:sldId id="319" r:id="rId51"/>
-    <p:sldId id="317" r:id="rId52"/>
-    <p:sldId id="320" r:id="rId53"/>
-    <p:sldId id="321" r:id="rId54"/>
-    <p:sldId id="332" r:id="rId55"/>
-    <p:sldId id="322" r:id="rId56"/>
-    <p:sldId id="323" r:id="rId57"/>
-    <p:sldId id="324" r:id="rId58"/>
-    <p:sldId id="325" r:id="rId59"/>
-    <p:sldId id="326" r:id="rId60"/>
+    <p:sldId id="322" r:id="rId46"/>
+    <p:sldId id="323" r:id="rId47"/>
+    <p:sldId id="324" r:id="rId48"/>
+    <p:sldId id="325" r:id="rId49"/>
+    <p:sldId id="339" r:id="rId50"/>
+    <p:sldId id="340" r:id="rId51"/>
+    <p:sldId id="312" r:id="rId52"/>
+    <p:sldId id="313" r:id="rId53"/>
+    <p:sldId id="316" r:id="rId54"/>
+    <p:sldId id="314" r:id="rId55"/>
+    <p:sldId id="315" r:id="rId56"/>
+    <p:sldId id="319" r:id="rId57"/>
+    <p:sldId id="317" r:id="rId58"/>
+    <p:sldId id="341" r:id="rId59"/>
+    <p:sldId id="342" r:id="rId60"/>
     <p:sldId id="327" r:id="rId61"/>
     <p:sldId id="328" r:id="rId62"/>
     <p:sldId id="329" r:id="rId63"/>
-    <p:sldId id="330" r:id="rId64"/>
+    <p:sldId id="332" r:id="rId64"/>
+    <p:sldId id="330" r:id="rId65"/>
   </p:sldIdLst>
   <p:sldSz cx="12192000" cy="6858000"/>
   <p:notesSz cx="6858000" cy="9144000"/>
@@ -270,7 +271,7 @@
           <a:p>
             <a:fld id="{1778ACD8-6E14-F146-9986-2DDB8F18C1FA}" type="datetimeFigureOut">
               <a:rPr lang="en-US" smtClean="0"/>
-              <a:t>5/6/19</a:t>
+              <a:t>5/10/19</a:t>
             </a:fld>
             <a:endParaRPr lang="en-US"/>
           </a:p>
@@ -621,6 +622,90 @@
 </p:notes>
 </file>
 
+<file path=ppt/notesSlides/notesSlide10.xml><?xml version="1.0" encoding="utf-8"?>
+<p:notes xmlns:a="http://schemas.openxmlformats.org/drawingml/2006/main" xmlns:r="http://schemas.openxmlformats.org/officeDocument/2006/relationships" xmlns:p="http://schemas.openxmlformats.org/presentationml/2006/main">
+  <p:cSld>
+    <p:spTree>
+      <p:nvGrpSpPr>
+        <p:cNvPr id="1" name=""/>
+        <p:cNvGrpSpPr/>
+        <p:nvPr/>
+      </p:nvGrpSpPr>
+      <p:grpSpPr>
+        <a:xfrm>
+          <a:off x="0" y="0"/>
+          <a:ext cx="0" cy="0"/>
+          <a:chOff x="0" y="0"/>
+          <a:chExt cx="0" cy="0"/>
+        </a:xfrm>
+      </p:grpSpPr>
+      <p:sp>
+        <p:nvSpPr>
+          <p:cNvPr id="2" name="Slide Image Placeholder 1"/>
+          <p:cNvSpPr>
+            <a:spLocks noGrp="1" noRot="1" noChangeAspect="1"/>
+          </p:cNvSpPr>
+          <p:nvPr>
+            <p:ph type="sldImg"/>
+          </p:nvPr>
+        </p:nvSpPr>
+        <p:spPr/>
+      </p:sp>
+      <p:sp>
+        <p:nvSpPr>
+          <p:cNvPr id="3" name="Notes Placeholder 2"/>
+          <p:cNvSpPr>
+            <a:spLocks noGrp="1"/>
+          </p:cNvSpPr>
+          <p:nvPr>
+            <p:ph type="body" idx="1"/>
+          </p:nvPr>
+        </p:nvSpPr>
+        <p:spPr/>
+        <p:txBody>
+          <a:bodyPr/>
+          <a:lstStyle/>
+          <a:p>
+            <a:endParaRPr lang="en-US" dirty="0"/>
+          </a:p>
+        </p:txBody>
+      </p:sp>
+      <p:sp>
+        <p:nvSpPr>
+          <p:cNvPr id="4" name="Slide Number Placeholder 3"/>
+          <p:cNvSpPr>
+            <a:spLocks noGrp="1"/>
+          </p:cNvSpPr>
+          <p:nvPr>
+            <p:ph type="sldNum" sz="quarter" idx="5"/>
+          </p:nvPr>
+        </p:nvSpPr>
+        <p:spPr/>
+        <p:txBody>
+          <a:bodyPr/>
+          <a:lstStyle/>
+          <a:p>
+            <a:fld id="{C8B14FCA-A5D1-0749-96A8-1423D61C59E6}" type="slidenum">
+              <a:rPr lang="en-US" smtClean="0"/>
+              <a:t>60</a:t>
+            </a:fld>
+            <a:endParaRPr lang="en-US"/>
+          </a:p>
+        </p:txBody>
+      </p:sp>
+    </p:spTree>
+    <p:extLst>
+      <p:ext uri="{BB962C8B-B14F-4D97-AF65-F5344CB8AC3E}">
+        <p14:creationId xmlns:p14="http://schemas.microsoft.com/office/powerpoint/2010/main" val="277682898"/>
+      </p:ext>
+    </p:extLst>
+  </p:cSld>
+  <p:clrMapOvr>
+    <a:masterClrMapping/>
+  </p:clrMapOvr>
+</p:notes>
+</file>
+
 <file path=ppt/notesSlides/notesSlide2.xml><?xml version="1.0" encoding="utf-8"?>
 <p:notes xmlns:a="http://schemas.openxmlformats.org/drawingml/2006/main" xmlns:r="http://schemas.openxmlformats.org/officeDocument/2006/relationships" xmlns:p="http://schemas.openxmlformats.org/presentationml/2006/main">
   <p:cSld>
@@ -1031,7 +1116,7 @@
     </p:spTree>
     <p:extLst>
       <p:ext uri="{BB962C8B-B14F-4D97-AF65-F5344CB8AC3E}">
-        <p14:creationId xmlns:p14="http://schemas.microsoft.com/office/powerpoint/2010/main" val="3672421823"/>
+        <p14:creationId xmlns:p14="http://schemas.microsoft.com/office/powerpoint/2010/main" val="3247405159"/>
       </p:ext>
     </p:extLst>
   </p:cSld>
@@ -1096,7 +1181,7 @@
             <a:spLocks noGrp="1"/>
           </p:cNvSpPr>
           <p:nvPr>
-            <p:ph type="sldNum" sz="quarter" idx="5"/>
+            <p:ph type="sldNum" sz="quarter" idx="10"/>
           </p:nvPr>
         </p:nvSpPr>
         <p:spPr/>
@@ -1106,7 +1191,7 @@
           <a:p>
             <a:fld id="{C8B14FCA-A5D1-0749-96A8-1423D61C59E6}" type="slidenum">
               <a:rPr lang="en-US" smtClean="0"/>
-              <a:t>48</a:t>
+              <a:t>51</a:t>
             </a:fld>
             <a:endParaRPr lang="en-US"/>
           </a:p>
@@ -1115,7 +1200,7 @@
     </p:spTree>
     <p:extLst>
       <p:ext uri="{BB962C8B-B14F-4D97-AF65-F5344CB8AC3E}">
-        <p14:creationId xmlns:p14="http://schemas.microsoft.com/office/powerpoint/2010/main" val="331232999"/>
+        <p14:creationId xmlns:p14="http://schemas.microsoft.com/office/powerpoint/2010/main" val="3672421823"/>
       </p:ext>
     </p:extLst>
   </p:cSld>
@@ -1180,7 +1265,7 @@
             <a:spLocks noGrp="1"/>
           </p:cNvSpPr>
           <p:nvPr>
-            <p:ph type="sldNum" sz="quarter" idx="10"/>
+            <p:ph type="sldNum" sz="quarter" idx="5"/>
           </p:nvPr>
         </p:nvSpPr>
         <p:spPr/>
@@ -1190,7 +1275,7 @@
           <a:p>
             <a:fld id="{C8B14FCA-A5D1-0749-96A8-1423D61C59E6}" type="slidenum">
               <a:rPr lang="en-US" smtClean="0"/>
-              <a:t>55</a:t>
+              <a:t>54</a:t>
             </a:fld>
             <a:endParaRPr lang="en-US"/>
           </a:p>
@@ -1199,7 +1284,7 @@
     </p:spTree>
     <p:extLst>
       <p:ext uri="{BB962C8B-B14F-4D97-AF65-F5344CB8AC3E}">
-        <p14:creationId xmlns:p14="http://schemas.microsoft.com/office/powerpoint/2010/main" val="3247405159"/>
+        <p14:creationId xmlns:p14="http://schemas.microsoft.com/office/powerpoint/2010/main" val="331232999"/>
       </p:ext>
     </p:extLst>
   </p:cSld>
@@ -1274,7 +1359,7 @@
           <a:p>
             <a:fld id="{C8B14FCA-A5D1-0749-96A8-1423D61C59E6}" type="slidenum">
               <a:rPr lang="en-US" smtClean="0"/>
-              <a:t>60</a:t>
+              <a:t>55</a:t>
             </a:fld>
             <a:endParaRPr lang="en-US"/>
           </a:p>
@@ -1283,7 +1368,7 @@
     </p:spTree>
     <p:extLst>
       <p:ext uri="{BB962C8B-B14F-4D97-AF65-F5344CB8AC3E}">
-        <p14:creationId xmlns:p14="http://schemas.microsoft.com/office/powerpoint/2010/main" val="277682898"/>
+        <p14:creationId xmlns:p14="http://schemas.microsoft.com/office/powerpoint/2010/main" val="2337139833"/>
       </p:ext>
     </p:extLst>
   </p:cSld>
@@ -7596,7 +7681,7 @@
                   <a:schemeClr val="bg1"/>
                 </a:solidFill>
               </a:rPr>
-              <a:t>Named Columns</a:t>
+              <a:t>Writing CSV Files</a:t>
             </a:r>
           </a:p>
         </p:txBody>
@@ -7604,7 +7689,7 @@
     </p:spTree>
     <p:extLst>
       <p:ext uri="{BB962C8B-B14F-4D97-AF65-F5344CB8AC3E}">
-        <p14:creationId xmlns:p14="http://schemas.microsoft.com/office/powerpoint/2010/main" val="2756242357"/>
+        <p14:creationId xmlns:p14="http://schemas.microsoft.com/office/powerpoint/2010/main" val="1987762153"/>
       </p:ext>
     </p:extLst>
   </p:cSld>
@@ -7633,10 +7718,10 @@
       </p:grpSpPr>
       <p:sp>
         <p:nvSpPr>
-          <p:cNvPr id="4" name="Text Placeholder 3">
+          <p:cNvPr id="2" name="Text Placeholder 1">
             <a:extLst>
               <a:ext uri="{FF2B5EF4-FFF2-40B4-BE49-F238E27FC236}">
-                <a16:creationId xmlns:a16="http://schemas.microsoft.com/office/drawing/2014/main" id="{277217F4-1D6A-444C-B249-868AA4AC7ADB}"/>
+                <a16:creationId xmlns:a16="http://schemas.microsoft.com/office/drawing/2014/main" id="{4A715AB8-2A6A-9D41-8B69-75D2C3818A26}"/>
               </a:ext>
             </a:extLst>
           </p:cNvPr>
@@ -7656,59 +7741,49 @@
           <a:p>
             <a:r>
               <a:rPr lang="en-US" dirty="0"/>
-              <a:t>Here's another way to think about tabular data.</a:t>
-            </a:r>
-          </a:p>
-          <a:p>
-            <a:r>
-              <a:rPr lang="en-US" dirty="0"/>
-              <a:t>The element 3 in each row is always a state abbreviation. element 0 is always a zip code </a:t>
-            </a:r>
-            <a:r>
-              <a:rPr lang="en-US" b="1" dirty="0"/>
-              <a:t>(Illustrate this)</a:t>
-            </a:r>
-            <a:endParaRPr lang="en-US" dirty="0"/>
-          </a:p>
-          <a:p>
-            <a:r>
-              <a:rPr lang="en-US" dirty="0"/>
-              <a:t>Wouldn't it be easier to write </a:t>
-            </a:r>
-            <a:r>
-              <a:rPr lang="en-US" b="1" dirty="0"/>
-              <a:t>row['Zip Code'] </a:t>
-            </a:r>
-            <a:r>
-              <a:rPr lang="en-US" dirty="0"/>
-              <a:t>rather than </a:t>
-            </a:r>
-            <a:r>
-              <a:rPr lang="en-US" b="1" dirty="0"/>
-              <a:t>row[0]</a:t>
-            </a:r>
-            <a:endParaRPr lang="en-US" dirty="0"/>
-          </a:p>
-          <a:p>
-            <a:r>
-              <a:rPr lang="en-US" dirty="0"/>
-              <a:t>I.e., rather than a list of </a:t>
+              <a:t>You don't just want to read data, you also want to write it, in case you make changes and need to hold on to them</a:t>
+            </a:r>
+          </a:p>
+          <a:p>
+            <a:r>
+              <a:rPr lang="en-US" dirty="0"/>
+              <a:t>As you might guess, there are also CSV </a:t>
             </a:r>
             <a:r>
               <a:rPr lang="en-US" i="1" dirty="0"/>
-              <a:t>lists</a:t>
-            </a:r>
-            <a:r>
-              <a:rPr lang="en-US" dirty="0"/>
-              <a:t>, we'd like a list of </a:t>
-            </a:r>
-            <a:r>
-              <a:rPr lang="en-US" i="1" dirty="0"/>
-              <a:t>dictionaries</a:t>
-            </a:r>
-            <a:r>
-              <a:rPr lang="en-US" dirty="0"/>
-              <a:t>: each row is a dictionary from field names ('Zip Code') to values ('90210')</a:t>
+              <a:t>writers</a:t>
+            </a:r>
+            <a:r>
+              <a:rPr lang="en-US" dirty="0"/>
+              <a:t>. They're just as easy to use.</a:t>
+            </a:r>
+          </a:p>
+          <a:p>
+            <a:r>
+              <a:rPr lang="en-US" dirty="0"/>
+              <a:t>Use </a:t>
+            </a:r>
+            <a:r>
+              <a:rPr lang="en-US" dirty="0" err="1"/>
+              <a:t>csv.writer</a:t>
+            </a:r>
+            <a:r>
+              <a:rPr lang="en-US" dirty="0"/>
+              <a:t> instead of </a:t>
+            </a:r>
+            <a:r>
+              <a:rPr lang="en-US" dirty="0" err="1"/>
+              <a:t>csv.reader</a:t>
+            </a:r>
+            <a:r>
+              <a:rPr lang="en-US" dirty="0"/>
+              <a:t> (making sure the file is opened for writing)</a:t>
+            </a:r>
+          </a:p>
+          <a:p>
+            <a:r>
+              <a:rPr lang="en-US" dirty="0"/>
+              <a:t>Here's a program that reads the zip code database and then outputs only the zip codes north of 40 degrees latitude</a:t>
             </a:r>
           </a:p>
           <a:p>
@@ -7722,7 +7797,7 @@
     </p:spTree>
     <p:extLst>
       <p:ext uri="{BB962C8B-B14F-4D97-AF65-F5344CB8AC3E}">
-        <p14:creationId xmlns:p14="http://schemas.microsoft.com/office/powerpoint/2010/main" val="3862190370"/>
+        <p14:creationId xmlns:p14="http://schemas.microsoft.com/office/powerpoint/2010/main" val="3423176028"/>
       </p:ext>
     </p:extLst>
   </p:cSld>
@@ -7751,10 +7826,10 @@
       </p:grpSpPr>
       <p:sp>
         <p:nvSpPr>
-          <p:cNvPr id="2" name="Text Placeholder 1">
+          <p:cNvPr id="3" name="Text Placeholder 2">
             <a:extLst>
               <a:ext uri="{FF2B5EF4-FFF2-40B4-BE49-F238E27FC236}">
-                <a16:creationId xmlns:a16="http://schemas.microsoft.com/office/drawing/2014/main" id="{266C13B0-C4BC-9840-9553-99179E5AAA16}"/>
+                <a16:creationId xmlns:a16="http://schemas.microsoft.com/office/drawing/2014/main" id="{C8112AB4-6F38-5842-9ACE-270D11835DB5}"/>
               </a:ext>
             </a:extLst>
           </p:cNvPr>
@@ -7762,62 +7837,386 @@
             <a:spLocks noGrp="1"/>
           </p:cNvSpPr>
           <p:nvPr>
-            <p:ph type="body" sz="quarter" idx="10"/>
+            <p:ph type="body" sz="quarter" idx="11"/>
           </p:nvPr>
         </p:nvSpPr>
-        <p:spPr/>
+        <p:spPr>
+          <a:xfrm>
+            <a:off x="5892800" y="359330"/>
+            <a:ext cx="6011900" cy="5495479"/>
+          </a:xfrm>
+        </p:spPr>
         <p:txBody>
           <a:bodyPr/>
           <a:lstStyle/>
           <a:p>
             <a:r>
-              <a:rPr lang="en-US" dirty="0"/>
-              <a:t>That's easy. Just use </a:t>
-            </a:r>
-            <a:r>
-              <a:rPr lang="en-US" b="1" dirty="0" err="1"/>
-              <a:t>csv.DictReader</a:t>
-            </a:r>
-            <a:r>
-              <a:rPr lang="en-US" b="1" dirty="0"/>
-              <a:t> </a:t>
-            </a:r>
-            <a:r>
-              <a:rPr lang="en-US" dirty="0"/>
-              <a:t>instead of </a:t>
-            </a:r>
-            <a:r>
-              <a:rPr lang="en-US" b="1" dirty="0" err="1"/>
+              <a:rPr lang="en-US" b="1" dirty="0">
+                <a:solidFill>
+                  <a:srgbClr val="204A87"/>
+                </a:solidFill>
+                <a:latin typeface="Consolas" panose="020B0609020204030204" pitchFamily="49" charset="0"/>
+              </a:rPr>
+              <a:t>import csv</a:t>
+            </a:r>
+          </a:p>
+          <a:p>
+            <a:endParaRPr lang="en-US" b="1" dirty="0">
+              <a:solidFill>
+                <a:srgbClr val="204A87"/>
+              </a:solidFill>
+              <a:latin typeface="Consolas" panose="020B0609020204030204" pitchFamily="49" charset="0"/>
+            </a:endParaRPr>
+          </a:p>
+          <a:p>
+            <a:r>
+              <a:rPr lang="en-US" b="1" dirty="0">
+                <a:solidFill>
+                  <a:srgbClr val="204A87"/>
+                </a:solidFill>
+                <a:latin typeface="Consolas" panose="020B0609020204030204" pitchFamily="49" charset="0"/>
+              </a:rPr>
+              <a:t># Split CSV file into a list of lines</a:t>
+            </a:r>
+          </a:p>
+          <a:p>
+            <a:r>
+              <a:rPr lang="en-US" b="1" dirty="0">
+                <a:solidFill>
+                  <a:srgbClr val="204A87"/>
+                </a:solidFill>
+                <a:latin typeface="Consolas" panose="020B0609020204030204" pitchFamily="49" charset="0"/>
+              </a:rPr>
+              <a:t>with open('</a:t>
+            </a:r>
+            <a:r>
+              <a:rPr lang="en-US" b="1" dirty="0" err="1">
+                <a:solidFill>
+                  <a:srgbClr val="204A87"/>
+                </a:solidFill>
+                <a:latin typeface="Consolas" panose="020B0609020204030204" pitchFamily="49" charset="0"/>
+              </a:rPr>
+              <a:t>zipcodes.csv</a:t>
+            </a:r>
+            <a:r>
+              <a:rPr lang="en-US" b="1" dirty="0">
+                <a:solidFill>
+                  <a:srgbClr val="204A87"/>
+                </a:solidFill>
+                <a:latin typeface="Consolas" panose="020B0609020204030204" pitchFamily="49" charset="0"/>
+              </a:rPr>
+              <a:t>') as </a:t>
+            </a:r>
+            <a:r>
+              <a:rPr lang="en-US" b="1" dirty="0" err="1">
+                <a:solidFill>
+                  <a:srgbClr val="204A87"/>
+                </a:solidFill>
+                <a:latin typeface="Consolas" panose="020B0609020204030204" pitchFamily="49" charset="0"/>
+              </a:rPr>
+              <a:t>f_in</a:t>
+            </a:r>
+            <a:r>
+              <a:rPr lang="en-US" b="1" dirty="0">
+                <a:solidFill>
+                  <a:srgbClr val="204A87"/>
+                </a:solidFill>
+                <a:latin typeface="Consolas" panose="020B0609020204030204" pitchFamily="49" charset="0"/>
+              </a:rPr>
+              <a:t>:</a:t>
+            </a:r>
+          </a:p>
+          <a:p>
+            <a:r>
+              <a:rPr lang="en-US" b="1" dirty="0">
+                <a:solidFill>
+                  <a:srgbClr val="204A87"/>
+                </a:solidFill>
+                <a:latin typeface="Consolas" panose="020B0609020204030204" pitchFamily="49" charset="0"/>
+              </a:rPr>
+              <a:t>    reader = </a:t>
+            </a:r>
+            <a:r>
+              <a:rPr lang="en-US" b="1" dirty="0" err="1">
+                <a:solidFill>
+                  <a:srgbClr val="204A87"/>
+                </a:solidFill>
+                <a:latin typeface="Consolas" panose="020B0609020204030204" pitchFamily="49" charset="0"/>
+              </a:rPr>
               <a:t>csv.reader</a:t>
             </a:r>
-            <a:endParaRPr lang="en-US" b="1" dirty="0"/>
-          </a:p>
-          <a:p>
-            <a:r>
-              <a:rPr lang="en-US" dirty="0"/>
-              <a:t>The only complication is that </a:t>
-            </a:r>
-            <a:r>
-              <a:rPr lang="en-US" dirty="0" err="1"/>
-              <a:t>DictReader</a:t>
-            </a:r>
-            <a:r>
-              <a:rPr lang="en-US" dirty="0"/>
-              <a:t> needs to know what the field names are so it can recognize them when we use them</a:t>
-            </a:r>
-          </a:p>
-          <a:p>
-            <a:r>
-              <a:rPr lang="en-US" dirty="0"/>
-              <a:t>How do we do that? Well, each row is a list of fields in the same order, so the names are also a list. We just give </a:t>
-            </a:r>
-            <a:r>
-              <a:rPr lang="en-US" dirty="0" err="1"/>
-              <a:t>DictReader</a:t>
-            </a:r>
-            <a:r>
-              <a:rPr lang="en-US" dirty="0"/>
-              <a:t> a list of field names.</a:t>
+            <a:r>
+              <a:rPr lang="en-US" b="1" dirty="0">
+                <a:solidFill>
+                  <a:srgbClr val="204A87"/>
+                </a:solidFill>
+                <a:latin typeface="Consolas" panose="020B0609020204030204" pitchFamily="49" charset="0"/>
+              </a:rPr>
+              <a:t>(</a:t>
+            </a:r>
+            <a:r>
+              <a:rPr lang="en-US" b="1" dirty="0" err="1">
+                <a:solidFill>
+                  <a:srgbClr val="204A87"/>
+                </a:solidFill>
+                <a:latin typeface="Consolas" panose="020B0609020204030204" pitchFamily="49" charset="0"/>
+              </a:rPr>
+              <a:t>f_in</a:t>
+            </a:r>
+            <a:r>
+              <a:rPr lang="en-US" b="1" dirty="0">
+                <a:solidFill>
+                  <a:srgbClr val="204A87"/>
+                </a:solidFill>
+                <a:latin typeface="Consolas" panose="020B0609020204030204" pitchFamily="49" charset="0"/>
+              </a:rPr>
+              <a:t>)</a:t>
+            </a:r>
+          </a:p>
+          <a:p>
+            <a:r>
+              <a:rPr lang="en-US" b="1" dirty="0">
+                <a:solidFill>
+                  <a:srgbClr val="204A87"/>
+                </a:solidFill>
+                <a:latin typeface="Consolas" panose="020B0609020204030204" pitchFamily="49" charset="0"/>
+              </a:rPr>
+              <a:t>    </a:t>
+            </a:r>
+            <a:r>
+              <a:rPr lang="en-US" b="1" dirty="0" err="1">
+                <a:solidFill>
+                  <a:srgbClr val="204A87"/>
+                </a:solidFill>
+                <a:latin typeface="Consolas" panose="020B0609020204030204" pitchFamily="49" charset="0"/>
+              </a:rPr>
+              <a:t>zip_codes_table</a:t>
+            </a:r>
+            <a:r>
+              <a:rPr lang="en-US" b="1" dirty="0">
+                <a:solidFill>
+                  <a:srgbClr val="204A87"/>
+                </a:solidFill>
+                <a:latin typeface="Consolas" panose="020B0609020204030204" pitchFamily="49" charset="0"/>
+              </a:rPr>
+              <a:t> = list(reader)</a:t>
+            </a:r>
+          </a:p>
+          <a:p>
+            <a:endParaRPr lang="en-US" b="1" dirty="0">
+              <a:solidFill>
+                <a:srgbClr val="204A87"/>
+              </a:solidFill>
+              <a:latin typeface="Consolas" panose="020B0609020204030204" pitchFamily="49" charset="0"/>
+            </a:endParaRPr>
+          </a:p>
+          <a:p>
+            <a:r>
+              <a:rPr lang="en-US" b="1" dirty="0">
+                <a:solidFill>
+                  <a:srgbClr val="204A87"/>
+                </a:solidFill>
+                <a:latin typeface="Consolas" panose="020B0609020204030204" pitchFamily="49" charset="0"/>
+              </a:rPr>
+              <a:t># Write only zip codes north of 40 degrees</a:t>
+            </a:r>
+          </a:p>
+          <a:p>
+            <a:r>
+              <a:rPr lang="en-US" b="1" dirty="0">
+                <a:solidFill>
+                  <a:srgbClr val="204A87"/>
+                </a:solidFill>
+                <a:latin typeface="Consolas" panose="020B0609020204030204" pitchFamily="49" charset="0"/>
+              </a:rPr>
+              <a:t>with open('</a:t>
+            </a:r>
+            <a:r>
+              <a:rPr lang="en-US" b="1" dirty="0" err="1">
+                <a:solidFill>
+                  <a:srgbClr val="204A87"/>
+                </a:solidFill>
+                <a:latin typeface="Consolas" panose="020B0609020204030204" pitchFamily="49" charset="0"/>
+              </a:rPr>
+              <a:t>zipcodes-out.csv','w</a:t>
+            </a:r>
+            <a:r>
+              <a:rPr lang="en-US" b="1" dirty="0">
+                <a:solidFill>
+                  <a:srgbClr val="204A87"/>
+                </a:solidFill>
+                <a:latin typeface="Consolas" panose="020B0609020204030204" pitchFamily="49" charset="0"/>
+              </a:rPr>
+              <a:t>') as </a:t>
+            </a:r>
+            <a:r>
+              <a:rPr lang="en-US" b="1" dirty="0" err="1">
+                <a:solidFill>
+                  <a:srgbClr val="204A87"/>
+                </a:solidFill>
+                <a:latin typeface="Consolas" panose="020B0609020204030204" pitchFamily="49" charset="0"/>
+              </a:rPr>
+              <a:t>f_out</a:t>
+            </a:r>
+            <a:r>
+              <a:rPr lang="en-US" b="1" dirty="0">
+                <a:solidFill>
+                  <a:srgbClr val="204A87"/>
+                </a:solidFill>
+                <a:latin typeface="Consolas" panose="020B0609020204030204" pitchFamily="49" charset="0"/>
+              </a:rPr>
+              <a:t>:</a:t>
+            </a:r>
+          </a:p>
+          <a:p>
+            <a:r>
+              <a:rPr lang="en-US" b="1" dirty="0">
+                <a:solidFill>
+                  <a:srgbClr val="204A87"/>
+                </a:solidFill>
+                <a:latin typeface="Consolas" panose="020B0609020204030204" pitchFamily="49" charset="0"/>
+              </a:rPr>
+              <a:t>    writer = </a:t>
+            </a:r>
+            <a:r>
+              <a:rPr lang="en-US" b="1" dirty="0" err="1">
+                <a:solidFill>
+                  <a:srgbClr val="204A87"/>
+                </a:solidFill>
+                <a:latin typeface="Consolas" panose="020B0609020204030204" pitchFamily="49" charset="0"/>
+              </a:rPr>
+              <a:t>csv.writer</a:t>
+            </a:r>
+            <a:r>
+              <a:rPr lang="en-US" b="1" dirty="0">
+                <a:solidFill>
+                  <a:srgbClr val="204A87"/>
+                </a:solidFill>
+                <a:latin typeface="Consolas" panose="020B0609020204030204" pitchFamily="49" charset="0"/>
+              </a:rPr>
+              <a:t>(</a:t>
+            </a:r>
+            <a:r>
+              <a:rPr lang="en-US" b="1" dirty="0" err="1">
+                <a:solidFill>
+                  <a:srgbClr val="204A87"/>
+                </a:solidFill>
+                <a:latin typeface="Consolas" panose="020B0609020204030204" pitchFamily="49" charset="0"/>
+              </a:rPr>
+              <a:t>f_out</a:t>
+            </a:r>
+            <a:r>
+              <a:rPr lang="en-US" b="1" dirty="0">
+                <a:solidFill>
+                  <a:srgbClr val="204A87"/>
+                </a:solidFill>
+                <a:latin typeface="Consolas" panose="020B0609020204030204" pitchFamily="49" charset="0"/>
+              </a:rPr>
+              <a:t>)</a:t>
+            </a:r>
+          </a:p>
+          <a:p>
+            <a:r>
+              <a:rPr lang="en-US" b="1" dirty="0">
+                <a:solidFill>
+                  <a:srgbClr val="204A87"/>
+                </a:solidFill>
+                <a:latin typeface="Consolas" panose="020B0609020204030204" pitchFamily="49" charset="0"/>
+              </a:rPr>
+              <a:t>    for row in </a:t>
+            </a:r>
+            <a:r>
+              <a:rPr lang="en-US" b="1" dirty="0" err="1">
+                <a:solidFill>
+                  <a:srgbClr val="204A87"/>
+                </a:solidFill>
+                <a:latin typeface="Consolas" panose="020B0609020204030204" pitchFamily="49" charset="0"/>
+              </a:rPr>
+              <a:t>zip_codes_table</a:t>
+            </a:r>
+            <a:r>
+              <a:rPr lang="en-US" b="1" dirty="0">
+                <a:solidFill>
+                  <a:srgbClr val="204A87"/>
+                </a:solidFill>
+                <a:latin typeface="Consolas" panose="020B0609020204030204" pitchFamily="49" charset="0"/>
+              </a:rPr>
+              <a:t>:</a:t>
+            </a:r>
+          </a:p>
+          <a:p>
+            <a:r>
+              <a:rPr lang="en-US" b="1" dirty="0">
+                <a:solidFill>
+                  <a:srgbClr val="204A87"/>
+                </a:solidFill>
+                <a:latin typeface="Consolas" panose="020B0609020204030204" pitchFamily="49" charset="0"/>
+              </a:rPr>
+              <a:t>        if float(row[5]) &gt; 40:</a:t>
+            </a:r>
+          </a:p>
+          <a:p>
+            <a:r>
+              <a:rPr lang="en-US" b="1" dirty="0">
+                <a:solidFill>
+                  <a:srgbClr val="204A87"/>
+                </a:solidFill>
+                <a:latin typeface="Consolas" panose="020B0609020204030204" pitchFamily="49" charset="0"/>
+              </a:rPr>
+              <a:t>            </a:t>
+            </a:r>
+            <a:r>
+              <a:rPr lang="en-US" b="1" dirty="0" err="1">
+                <a:solidFill>
+                  <a:srgbClr val="204A87"/>
+                </a:solidFill>
+                <a:latin typeface="Consolas" panose="020B0609020204030204" pitchFamily="49" charset="0"/>
+              </a:rPr>
+              <a:t>writer.writerow</a:t>
+            </a:r>
+            <a:r>
+              <a:rPr lang="en-US" b="1" dirty="0">
+                <a:solidFill>
+                  <a:srgbClr val="204A87"/>
+                </a:solidFill>
+                <a:latin typeface="Consolas" panose="020B0609020204030204" pitchFamily="49" charset="0"/>
+              </a:rPr>
+              <a:t>(row)</a:t>
+            </a:r>
+          </a:p>
+        </p:txBody>
+      </p:sp>
+      <p:sp>
+        <p:nvSpPr>
+          <p:cNvPr id="2" name="TextBox 1">
+            <a:extLst>
+              <a:ext uri="{FF2B5EF4-FFF2-40B4-BE49-F238E27FC236}">
+                <a16:creationId xmlns:a16="http://schemas.microsoft.com/office/drawing/2014/main" id="{DEAA27B9-1D9E-F747-82D3-48C3BB3DE15E}"/>
+              </a:ext>
+            </a:extLst>
+          </p:cNvPr>
+          <p:cNvSpPr txBox="1"/>
+          <p:nvPr/>
+        </p:nvSpPr>
+        <p:spPr>
+          <a:xfrm>
+            <a:off x="2797791" y="3248167"/>
+            <a:ext cx="2262158" cy="369332"/>
+          </a:xfrm>
+          <a:prstGeom prst="rect">
+            <a:avLst/>
+          </a:prstGeom>
+          <a:noFill/>
+        </p:spPr>
+        <p:txBody>
+          <a:bodyPr wrap="none" rtlCol="0">
+            <a:spAutoFit/>
+          </a:bodyPr>
+          <a:lstStyle/>
+          <a:p>
+            <a:r>
+              <a:rPr lang="en-US" dirty="0"/>
+              <a:t>&lt;zipcodes-deg1.py&gt;</a:t>
             </a:r>
           </a:p>
         </p:txBody>
@@ -7825,7 +8224,7 @@
     </p:spTree>
     <p:extLst>
       <p:ext uri="{BB962C8B-B14F-4D97-AF65-F5344CB8AC3E}">
-        <p14:creationId xmlns:p14="http://schemas.microsoft.com/office/powerpoint/2010/main" val="457552129"/>
+        <p14:creationId xmlns:p14="http://schemas.microsoft.com/office/powerpoint/2010/main" val="3118346346"/>
       </p:ext>
     </p:extLst>
   </p:cSld>
@@ -7857,7 +8256,7 @@
           <p:cNvPr id="2" name="Text Placeholder 1">
             <a:extLst>
               <a:ext uri="{FF2B5EF4-FFF2-40B4-BE49-F238E27FC236}">
-                <a16:creationId xmlns:a16="http://schemas.microsoft.com/office/drawing/2014/main" id="{A6D5BE0B-D4E3-544A-AE61-EAED2E55BC06}"/>
+                <a16:creationId xmlns:a16="http://schemas.microsoft.com/office/drawing/2014/main" id="{A0A6291E-ECBF-2E44-AC5B-805FEDAE59EF}"/>
               </a:ext>
             </a:extLst>
           </p:cNvPr>
@@ -7865,7 +8264,7 @@
             <a:spLocks noGrp="1"/>
           </p:cNvSpPr>
           <p:nvPr>
-            <p:ph type="body" sz="quarter" idx="11"/>
+            <p:ph type="body" sz="quarter" idx="10"/>
           </p:nvPr>
         </p:nvSpPr>
         <p:spPr/>
@@ -7873,434 +8272,27 @@
           <a:bodyPr/>
           <a:lstStyle/>
           <a:p>
-            <a:endParaRPr lang="en-US"/>
-          </a:p>
-        </p:txBody>
-      </p:sp>
-      <p:sp>
-        <p:nvSpPr>
-          <p:cNvPr id="3" name="Text Placeholder 2">
-            <a:extLst>
-              <a:ext uri="{FF2B5EF4-FFF2-40B4-BE49-F238E27FC236}">
-                <a16:creationId xmlns:a16="http://schemas.microsoft.com/office/drawing/2014/main" id="{C81D538D-94ED-A248-8931-ED55A58F8F09}"/>
-              </a:ext>
-            </a:extLst>
-          </p:cNvPr>
-          <p:cNvSpPr>
-            <a:spLocks noGrp="1"/>
-          </p:cNvSpPr>
-          <p:nvPr>
-            <p:ph type="body" sz="quarter" idx="12"/>
-          </p:nvPr>
-        </p:nvSpPr>
-        <p:spPr>
-          <a:xfrm>
-            <a:off x="949123" y="368778"/>
-            <a:ext cx="10955577" cy="5982663"/>
-          </a:xfrm>
-        </p:spPr>
-        <p:txBody>
-          <a:bodyPr/>
-          <a:lstStyle/>
-          <a:p>
-            <a:r>
-              <a:rPr lang="en-US" sz="1700" b="1" dirty="0">
-                <a:solidFill>
-                  <a:srgbClr val="204A87"/>
-                </a:solidFill>
-                <a:latin typeface="Consolas" panose="020B0609020204030204" pitchFamily="49" charset="0"/>
-              </a:rPr>
-              <a:t>import csv</a:t>
-            </a:r>
-          </a:p>
-          <a:p>
-            <a:endParaRPr lang="en-US" sz="1700" b="1" dirty="0">
-              <a:solidFill>
-                <a:srgbClr val="204A87"/>
-              </a:solidFill>
-              <a:latin typeface="Consolas" panose="020B0609020204030204" pitchFamily="49" charset="0"/>
-            </a:endParaRPr>
-          </a:p>
-          <a:p>
-            <a:r>
-              <a:rPr lang="en-US" sz="1700" b="1" dirty="0">
-                <a:solidFill>
-                  <a:srgbClr val="204A87"/>
-                </a:solidFill>
-                <a:highlight>
-                  <a:srgbClr val="FFFF00"/>
-                </a:highlight>
-                <a:latin typeface="Consolas" panose="020B0609020204030204" pitchFamily="49" charset="0"/>
-              </a:rPr>
-              <a:t>fields = ['Zip Code', 'City', 'State', 'State </a:t>
-            </a:r>
-            <a:r>
-              <a:rPr lang="en-US" sz="1700" b="1" dirty="0" err="1">
-                <a:solidFill>
-                  <a:srgbClr val="204A87"/>
-                </a:solidFill>
-                <a:highlight>
-                  <a:srgbClr val="FFFF00"/>
-                </a:highlight>
-                <a:latin typeface="Consolas" panose="020B0609020204030204" pitchFamily="49" charset="0"/>
-              </a:rPr>
-              <a:t>Abbr</a:t>
-            </a:r>
-            <a:r>
-              <a:rPr lang="en-US" sz="1700" b="1" dirty="0">
-                <a:solidFill>
-                  <a:srgbClr val="204A87"/>
-                </a:solidFill>
-                <a:highlight>
-                  <a:srgbClr val="FFFF00"/>
-                </a:highlight>
-                <a:latin typeface="Consolas" panose="020B0609020204030204" pitchFamily="49" charset="0"/>
-              </a:rPr>
-              <a:t>', 'County', 'Latitude', 'Longitude']</a:t>
-            </a:r>
-          </a:p>
-          <a:p>
-            <a:endParaRPr lang="en-US" sz="1700" b="1" dirty="0">
-              <a:solidFill>
-                <a:srgbClr val="204A87"/>
-              </a:solidFill>
-              <a:latin typeface="Consolas" panose="020B0609020204030204" pitchFamily="49" charset="0"/>
-            </a:endParaRPr>
-          </a:p>
-          <a:p>
-            <a:r>
-              <a:rPr lang="en-US" sz="1700" b="1" dirty="0">
-                <a:solidFill>
-                  <a:srgbClr val="204A87"/>
-                </a:solidFill>
-                <a:latin typeface="Consolas" panose="020B0609020204030204" pitchFamily="49" charset="0"/>
-              </a:rPr>
-              <a:t># Split CSV file into a list of lines</a:t>
-            </a:r>
-          </a:p>
-          <a:p>
-            <a:r>
-              <a:rPr lang="en-US" sz="1700" b="1" dirty="0">
-                <a:solidFill>
-                  <a:srgbClr val="204A87"/>
-                </a:solidFill>
-                <a:latin typeface="Consolas" panose="020B0609020204030204" pitchFamily="49" charset="0"/>
-              </a:rPr>
-              <a:t>with open('</a:t>
-            </a:r>
-            <a:r>
-              <a:rPr lang="en-US" sz="1700" b="1" dirty="0" err="1">
-                <a:solidFill>
-                  <a:srgbClr val="204A87"/>
-                </a:solidFill>
-                <a:latin typeface="Consolas" panose="020B0609020204030204" pitchFamily="49" charset="0"/>
-              </a:rPr>
-              <a:t>zipcodes.csv</a:t>
-            </a:r>
-            <a:r>
-              <a:rPr lang="en-US" sz="1700" b="1" dirty="0">
-                <a:solidFill>
-                  <a:srgbClr val="204A87"/>
-                </a:solidFill>
-                <a:latin typeface="Consolas" panose="020B0609020204030204" pitchFamily="49" charset="0"/>
-              </a:rPr>
-              <a:t>') as f:</a:t>
-            </a:r>
-          </a:p>
-          <a:p>
-            <a:r>
-              <a:rPr lang="en-US" sz="1700" b="1" dirty="0">
-                <a:solidFill>
-                  <a:srgbClr val="204A87"/>
-                </a:solidFill>
-                <a:latin typeface="Consolas" panose="020B0609020204030204" pitchFamily="49" charset="0"/>
-              </a:rPr>
-              <a:t>    reader = </a:t>
-            </a:r>
-            <a:r>
-              <a:rPr lang="en-US" sz="1700" b="1" dirty="0" err="1">
-                <a:solidFill>
-                  <a:srgbClr val="204A87"/>
-                </a:solidFill>
-                <a:latin typeface="Consolas" panose="020B0609020204030204" pitchFamily="49" charset="0"/>
-              </a:rPr>
-              <a:t>csv.</a:t>
-            </a:r>
-            <a:r>
-              <a:rPr lang="en-US" sz="1700" b="1" dirty="0" err="1">
-                <a:solidFill>
-                  <a:srgbClr val="204A87"/>
-                </a:solidFill>
-                <a:highlight>
-                  <a:srgbClr val="FFFF00"/>
-                </a:highlight>
-                <a:latin typeface="Consolas" panose="020B0609020204030204" pitchFamily="49" charset="0"/>
-              </a:rPr>
-              <a:t>DictReader</a:t>
-            </a:r>
-            <a:r>
-              <a:rPr lang="en-US" sz="1700" b="1" dirty="0">
-                <a:solidFill>
-                  <a:srgbClr val="204A87"/>
-                </a:solidFill>
-                <a:latin typeface="Consolas" panose="020B0609020204030204" pitchFamily="49" charset="0"/>
-              </a:rPr>
-              <a:t>(f</a:t>
-            </a:r>
-            <a:r>
-              <a:rPr lang="en-US" sz="1700" b="1" dirty="0">
-                <a:solidFill>
-                  <a:srgbClr val="204A87"/>
-                </a:solidFill>
-                <a:highlight>
-                  <a:srgbClr val="FFFF00"/>
-                </a:highlight>
-                <a:latin typeface="Consolas" panose="020B0609020204030204" pitchFamily="49" charset="0"/>
-              </a:rPr>
-              <a:t>, fieldnames=fields</a:t>
-            </a:r>
-            <a:r>
-              <a:rPr lang="en-US" sz="1700" b="1" dirty="0">
-                <a:solidFill>
-                  <a:srgbClr val="204A87"/>
-                </a:solidFill>
-                <a:latin typeface="Consolas" panose="020B0609020204030204" pitchFamily="49" charset="0"/>
-              </a:rPr>
-              <a:t>)</a:t>
-            </a:r>
-          </a:p>
-          <a:p>
-            <a:r>
-              <a:rPr lang="en-US" sz="1700" b="1" dirty="0">
-                <a:solidFill>
-                  <a:srgbClr val="204A87"/>
-                </a:solidFill>
-                <a:latin typeface="Consolas" panose="020B0609020204030204" pitchFamily="49" charset="0"/>
-              </a:rPr>
-              <a:t>    </a:t>
-            </a:r>
-            <a:r>
-              <a:rPr lang="en-US" sz="1700" b="1" dirty="0" err="1">
-                <a:solidFill>
-                  <a:srgbClr val="204A87"/>
-                </a:solidFill>
-                <a:latin typeface="Consolas" panose="020B0609020204030204" pitchFamily="49" charset="0"/>
-              </a:rPr>
-              <a:t>zip_codes_table</a:t>
-            </a:r>
-            <a:r>
-              <a:rPr lang="en-US" sz="1700" b="1" dirty="0">
-                <a:solidFill>
-                  <a:srgbClr val="204A87"/>
-                </a:solidFill>
-                <a:latin typeface="Consolas" panose="020B0609020204030204" pitchFamily="49" charset="0"/>
-              </a:rPr>
-              <a:t> = list(reader)</a:t>
-            </a:r>
-          </a:p>
-          <a:p>
-            <a:endParaRPr lang="en-US" sz="1700" b="1" dirty="0">
-              <a:solidFill>
-                <a:srgbClr val="204A87"/>
-              </a:solidFill>
-              <a:latin typeface="Consolas" panose="020B0609020204030204" pitchFamily="49" charset="0"/>
-            </a:endParaRPr>
-          </a:p>
-          <a:p>
-            <a:r>
-              <a:rPr lang="en-US" sz="1700" b="1" dirty="0" err="1">
-                <a:solidFill>
-                  <a:srgbClr val="204A87"/>
-                </a:solidFill>
-                <a:latin typeface="Consolas" panose="020B0609020204030204" pitchFamily="49" charset="0"/>
-              </a:rPr>
-              <a:t>zip_codes_in_ny</a:t>
-            </a:r>
-            <a:r>
-              <a:rPr lang="en-US" sz="1700" b="1" dirty="0">
-                <a:solidFill>
-                  <a:srgbClr val="204A87"/>
-                </a:solidFill>
-                <a:latin typeface="Consolas" panose="020B0609020204030204" pitchFamily="49" charset="0"/>
-              </a:rPr>
-              <a:t> = 0</a:t>
-            </a:r>
-          </a:p>
-          <a:p>
-            <a:r>
-              <a:rPr lang="en-US" sz="1700" b="1" dirty="0">
-                <a:solidFill>
-                  <a:srgbClr val="204A87"/>
-                </a:solidFill>
-                <a:latin typeface="Consolas" panose="020B0609020204030204" pitchFamily="49" charset="0"/>
-              </a:rPr>
-              <a:t>for row in </a:t>
-            </a:r>
-            <a:r>
-              <a:rPr lang="en-US" sz="1700" b="1" dirty="0" err="1">
-                <a:solidFill>
-                  <a:srgbClr val="204A87"/>
-                </a:solidFill>
-                <a:latin typeface="Consolas" panose="020B0609020204030204" pitchFamily="49" charset="0"/>
-              </a:rPr>
-              <a:t>zip_codes_table</a:t>
-            </a:r>
-            <a:r>
-              <a:rPr lang="en-US" sz="1700" b="1" dirty="0">
-                <a:solidFill>
-                  <a:srgbClr val="204A87"/>
-                </a:solidFill>
-                <a:latin typeface="Consolas" panose="020B0609020204030204" pitchFamily="49" charset="0"/>
-              </a:rPr>
-              <a:t>:</a:t>
-            </a:r>
-          </a:p>
-          <a:p>
-            <a:r>
-              <a:rPr lang="en-US" sz="1700" b="1" dirty="0">
-                <a:solidFill>
-                  <a:srgbClr val="204A87"/>
-                </a:solidFill>
-                <a:latin typeface="Consolas" panose="020B0609020204030204" pitchFamily="49" charset="0"/>
-              </a:rPr>
-              <a:t>    if row['State </a:t>
-            </a:r>
-            <a:r>
-              <a:rPr lang="en-US" sz="1700" b="1" dirty="0" err="1">
-                <a:solidFill>
-                  <a:srgbClr val="204A87"/>
-                </a:solidFill>
-                <a:latin typeface="Consolas" panose="020B0609020204030204" pitchFamily="49" charset="0"/>
-              </a:rPr>
-              <a:t>Abbr</a:t>
-            </a:r>
-            <a:r>
-              <a:rPr lang="en-US" sz="1700" b="1" dirty="0">
-                <a:solidFill>
-                  <a:srgbClr val="204A87"/>
-                </a:solidFill>
-                <a:latin typeface="Consolas" panose="020B0609020204030204" pitchFamily="49" charset="0"/>
-              </a:rPr>
-              <a:t>'] == 'NY':</a:t>
-            </a:r>
-          </a:p>
-          <a:p>
-            <a:r>
-              <a:rPr lang="en-US" sz="1700" b="1" dirty="0">
-                <a:solidFill>
-                  <a:srgbClr val="204A87"/>
-                </a:solidFill>
-                <a:latin typeface="Consolas" panose="020B0609020204030204" pitchFamily="49" charset="0"/>
-              </a:rPr>
-              <a:t>        </a:t>
-            </a:r>
-            <a:r>
-              <a:rPr lang="en-US" sz="1700" b="1" dirty="0" err="1">
-                <a:solidFill>
-                  <a:srgbClr val="204A87"/>
-                </a:solidFill>
-                <a:latin typeface="Consolas" panose="020B0609020204030204" pitchFamily="49" charset="0"/>
-              </a:rPr>
-              <a:t>zip_codes_in_ny</a:t>
-            </a:r>
-            <a:r>
-              <a:rPr lang="en-US" sz="1700" b="1" dirty="0">
-                <a:solidFill>
-                  <a:srgbClr val="204A87"/>
-                </a:solidFill>
-                <a:latin typeface="Consolas" panose="020B0609020204030204" pitchFamily="49" charset="0"/>
-              </a:rPr>
-              <a:t> += 1</a:t>
-            </a:r>
-          </a:p>
-          <a:p>
-            <a:endParaRPr lang="en-US" sz="1700" b="1" dirty="0">
-              <a:solidFill>
-                <a:srgbClr val="204A87"/>
-              </a:solidFill>
-              <a:latin typeface="Consolas" panose="020B0609020204030204" pitchFamily="49" charset="0"/>
-            </a:endParaRPr>
-          </a:p>
-          <a:p>
-            <a:r>
-              <a:rPr lang="en-US" sz="1700" b="1" dirty="0">
-                <a:solidFill>
-                  <a:srgbClr val="204A87"/>
-                </a:solidFill>
-                <a:latin typeface="Consolas" panose="020B0609020204030204" pitchFamily="49" charset="0"/>
-              </a:rPr>
-              <a:t>print('There are ' + </a:t>
-            </a:r>
-            <a:r>
-              <a:rPr lang="en-US" sz="1700" b="1" dirty="0" err="1">
-                <a:solidFill>
-                  <a:srgbClr val="204A87"/>
-                </a:solidFill>
-                <a:latin typeface="Consolas" panose="020B0609020204030204" pitchFamily="49" charset="0"/>
-              </a:rPr>
-              <a:t>str</a:t>
-            </a:r>
-            <a:r>
-              <a:rPr lang="en-US" sz="1700" b="1" dirty="0">
-                <a:solidFill>
-                  <a:srgbClr val="204A87"/>
-                </a:solidFill>
-                <a:latin typeface="Consolas" panose="020B0609020204030204" pitchFamily="49" charset="0"/>
-              </a:rPr>
-              <a:t>(</a:t>
-            </a:r>
-            <a:r>
-              <a:rPr lang="en-US" sz="1700" b="1" dirty="0" err="1">
-                <a:solidFill>
-                  <a:srgbClr val="204A87"/>
-                </a:solidFill>
-                <a:latin typeface="Consolas" panose="020B0609020204030204" pitchFamily="49" charset="0"/>
-              </a:rPr>
-              <a:t>zip_codes_in_ny</a:t>
-            </a:r>
-            <a:r>
-              <a:rPr lang="en-US" sz="1700" b="1" dirty="0">
-                <a:solidFill>
-                  <a:srgbClr val="204A87"/>
-                </a:solidFill>
-                <a:latin typeface="Consolas" panose="020B0609020204030204" pitchFamily="49" charset="0"/>
-              </a:rPr>
-              <a:t>) + ' zip codes in New York.')</a:t>
-            </a:r>
-          </a:p>
-        </p:txBody>
-      </p:sp>
-      <p:sp>
-        <p:nvSpPr>
-          <p:cNvPr id="4" name="TextBox 3">
-            <a:extLst>
-              <a:ext uri="{FF2B5EF4-FFF2-40B4-BE49-F238E27FC236}">
-                <a16:creationId xmlns:a16="http://schemas.microsoft.com/office/drawing/2014/main" id="{6E1CD091-1969-7843-A92D-AF98B5A232BD}"/>
-              </a:ext>
-            </a:extLst>
-          </p:cNvPr>
-          <p:cNvSpPr txBox="1"/>
-          <p:nvPr/>
-        </p:nvSpPr>
-        <p:spPr>
-          <a:xfrm>
-            <a:off x="3261814" y="6488668"/>
-            <a:ext cx="2121093" cy="369332"/>
-          </a:xfrm>
-          <a:prstGeom prst="rect">
-            <a:avLst/>
-          </a:prstGeom>
-          <a:noFill/>
-        </p:spPr>
-        <p:txBody>
-          <a:bodyPr wrap="none" rtlCol="0">
-            <a:spAutoFit/>
-          </a:bodyPr>
-          <a:lstStyle/>
-          <a:p>
-            <a:r>
-              <a:rPr lang="en-US" dirty="0"/>
-              <a:t>&lt;zipcodes-ny4.py&gt;</a:t>
+            <a:r>
+              <a:rPr lang="en-US" dirty="0"/>
+              <a:t>The first half is standard: read the file and make a table of the rows</a:t>
+            </a:r>
+          </a:p>
+          <a:p>
+            <a:r>
+              <a:rPr lang="en-US" dirty="0"/>
+              <a:t>The second half loops through the rows. If it finds one where the latitude is greater than 40, it calls </a:t>
+            </a:r>
+            <a:r>
+              <a:rPr lang="en-US" b="1" dirty="0" err="1"/>
+              <a:t>writer.writerow</a:t>
+            </a:r>
+            <a:r>
+              <a:rPr lang="en-US" b="1" dirty="0"/>
+              <a:t>()</a:t>
+            </a:r>
+            <a:r>
+              <a:rPr lang="en-US" dirty="0"/>
+              <a:t> to output it.</a:t>
             </a:r>
           </a:p>
         </p:txBody>
@@ -8308,7 +8300,7 @@
     </p:spTree>
     <p:extLst>
       <p:ext uri="{BB962C8B-B14F-4D97-AF65-F5344CB8AC3E}">
-        <p14:creationId xmlns:p14="http://schemas.microsoft.com/office/powerpoint/2010/main" val="1618624555"/>
+        <p14:creationId xmlns:p14="http://schemas.microsoft.com/office/powerpoint/2010/main" val="3951474409"/>
       </p:ext>
     </p:extLst>
   </p:cSld>
@@ -8340,7 +8332,7 @@
           <p:cNvPr id="2" name="Text Placeholder 1">
             <a:extLst>
               <a:ext uri="{FF2B5EF4-FFF2-40B4-BE49-F238E27FC236}">
-                <a16:creationId xmlns:a16="http://schemas.microsoft.com/office/drawing/2014/main" id="{7F9925B4-2723-C241-86D6-37ECDC21595F}"/>
+                <a16:creationId xmlns:a16="http://schemas.microsoft.com/office/drawing/2014/main" id="{00AD702F-C094-AA4A-8684-AB455B2EA694}"/>
               </a:ext>
             </a:extLst>
           </p:cNvPr>
@@ -8353,53 +8345,40 @@
         </p:nvSpPr>
         <p:spPr/>
         <p:txBody>
-          <a:bodyPr>
-            <a:normAutofit lnSpcReduction="10000"/>
-          </a:bodyPr>
+          <a:bodyPr/>
           <a:lstStyle/>
           <a:p>
             <a:r>
               <a:rPr lang="en-US" dirty="0"/>
-              <a:t>This is a nice convenience.</a:t>
-            </a:r>
-          </a:p>
-          <a:p>
-            <a:r>
-              <a:rPr lang="en-US" dirty="0"/>
-              <a:t>And here's something even easier.</a:t>
-            </a:r>
-          </a:p>
-          <a:p>
-            <a:r>
-              <a:rPr lang="en-US" dirty="0"/>
-              <a:t>We can put the list of field names </a:t>
-            </a:r>
-            <a:r>
-              <a:rPr lang="en-US" i="1" dirty="0"/>
-              <a:t>in the CSV file itself</a:t>
-            </a:r>
-            <a:endParaRPr lang="en-US" dirty="0"/>
-          </a:p>
-          <a:p>
-            <a:r>
-              <a:rPr lang="en-US" dirty="0"/>
-              <a:t>There's a convention that the first line is a list of field names. If that's the case, you can omit the fieldnames in your program. </a:t>
+              <a:t>This version writes one row at a time.</a:t>
+            </a:r>
+          </a:p>
+          <a:p>
+            <a:r>
+              <a:rPr lang="en-US" dirty="0"/>
+              <a:t>If you would rather build the table and then write it all to the file at once, you can use the </a:t>
             </a:r>
             <a:r>
               <a:rPr lang="en-US" dirty="0" err="1"/>
-              <a:t>DictReader</a:t>
-            </a:r>
-            <a:r>
-              <a:rPr lang="en-US" dirty="0"/>
-              <a:t> will read the first line – the </a:t>
-            </a:r>
-            <a:r>
-              <a:rPr lang="en-US" i="1" dirty="0"/>
-              <a:t>header</a:t>
-            </a:r>
-            <a:r>
-              <a:rPr lang="en-US" dirty="0"/>
-              <a:t> line – and treat that as the field names for the rest of the file		</a:t>
+              <a:t>writerows</a:t>
+            </a:r>
+            <a:r>
+              <a:rPr lang="en-US" dirty="0"/>
+              <a:t>() function.</a:t>
+            </a:r>
+          </a:p>
+          <a:p>
+            <a:r>
+              <a:rPr lang="en-US" dirty="0"/>
+              <a:t>It's just like </a:t>
+            </a:r>
+            <a:r>
+              <a:rPr lang="en-US" dirty="0" err="1"/>
+              <a:t>writerow</a:t>
+            </a:r>
+            <a:r>
+              <a:rPr lang="en-US" dirty="0"/>
+              <a:t>() except that it works with a list of rows, rather than a single row</a:t>
             </a:r>
           </a:p>
         </p:txBody>
@@ -8407,7 +8386,7 @@
     </p:spTree>
     <p:extLst>
       <p:ext uri="{BB962C8B-B14F-4D97-AF65-F5344CB8AC3E}">
-        <p14:creationId xmlns:p14="http://schemas.microsoft.com/office/powerpoint/2010/main" val="1636299917"/>
+        <p14:creationId xmlns:p14="http://schemas.microsoft.com/office/powerpoint/2010/main" val="4236616839"/>
       </p:ext>
     </p:extLst>
   </p:cSld>
@@ -8521,10 +8500,10 @@
       </p:grpSpPr>
       <p:sp>
         <p:nvSpPr>
-          <p:cNvPr id="3" name="Text Placeholder 2">
+          <p:cNvPr id="4" name="Text Placeholder 3">
             <a:extLst>
               <a:ext uri="{FF2B5EF4-FFF2-40B4-BE49-F238E27FC236}">
-                <a16:creationId xmlns:a16="http://schemas.microsoft.com/office/drawing/2014/main" id="{5621E0C6-52CE-A54D-9BD5-81A9A688E919}"/>
+                <a16:creationId xmlns:a16="http://schemas.microsoft.com/office/drawing/2014/main" id="{D79CF57D-FE36-7D4D-AE57-DA963CD67045}"/>
               </a:ext>
             </a:extLst>
           </p:cNvPr>
@@ -8546,10 +8525,10 @@
       </p:sp>
       <p:sp>
         <p:nvSpPr>
-          <p:cNvPr id="4" name="Text Placeholder 3">
+          <p:cNvPr id="5" name="Text Placeholder 4">
             <a:extLst>
               <a:ext uri="{FF2B5EF4-FFF2-40B4-BE49-F238E27FC236}">
-                <a16:creationId xmlns:a16="http://schemas.microsoft.com/office/drawing/2014/main" id="{D683FEBA-CC44-0248-AA00-64E7DE3CFDCA}"/>
+                <a16:creationId xmlns:a16="http://schemas.microsoft.com/office/drawing/2014/main" id="{F7A54921-7286-4449-ABFA-3432CA4D3D3C}"/>
               </a:ext>
             </a:extLst>
           </p:cNvPr>
@@ -8563,7 +8542,7 @@
         <p:spPr>
           <a:xfrm>
             <a:off x="949123" y="368778"/>
-            <a:ext cx="10955577" cy="3417987"/>
+            <a:ext cx="10955577" cy="4248984"/>
           </a:xfrm>
         </p:spPr>
         <p:txBody>
@@ -8571,115 +8550,147 @@
           <a:lstStyle/>
           <a:p>
             <a:r>
-              <a:rPr lang="en-US" dirty="0">
-                <a:highlight>
-                  <a:srgbClr val="FFFF00"/>
-                </a:highlight>
-              </a:rPr>
-              <a:t>Zip </a:t>
-            </a:r>
-            <a:r>
-              <a:rPr lang="en-US" dirty="0" err="1">
-                <a:highlight>
-                  <a:srgbClr val="FFFF00"/>
-                </a:highlight>
-              </a:rPr>
-              <a:t>Code,City,State,State</a:t>
-            </a:r>
-            <a:r>
-              <a:rPr lang="en-US" dirty="0">
-                <a:highlight>
-                  <a:srgbClr val="FFFF00"/>
-                </a:highlight>
-              </a:rPr>
-              <a:t> </a:t>
-            </a:r>
-            <a:r>
-              <a:rPr lang="en-US" dirty="0" err="1">
-                <a:highlight>
-                  <a:srgbClr val="FFFF00"/>
-                </a:highlight>
-              </a:rPr>
-              <a:t>Abbr,County,Latitude,Longitude</a:t>
-            </a:r>
-            <a:endParaRPr lang="en-US" dirty="0">
-              <a:highlight>
-                <a:srgbClr val="FFFF00"/>
-              </a:highlight>
-            </a:endParaRPr>
-          </a:p>
-          <a:p>
-            <a:r>
-              <a:rPr lang="en-US" dirty="0"/>
-              <a:t>99553,Akutan,Alaska,AK,Aleutians East,54.143,-165.7854</a:t>
-            </a:r>
-          </a:p>
-          <a:p>
-            <a:r>
-              <a:rPr lang="en-US" dirty="0"/>
-              <a:t>99571,Cold </a:t>
+              <a:rPr lang="en-US" dirty="0"/>
+              <a:t>results = []</a:t>
+            </a:r>
+          </a:p>
+          <a:p>
+            <a:r>
+              <a:rPr lang="en-US" dirty="0"/>
+              <a:t>for row in </a:t>
             </a:r>
             <a:r>
               <a:rPr lang="en-US" dirty="0" err="1"/>
-              <a:t>Bay,Alaska,AK,Aleutians</a:t>
-            </a:r>
-            <a:r>
-              <a:rPr lang="en-US" dirty="0"/>
-              <a:t> East,55.1858,-162.7211</a:t>
-            </a:r>
-          </a:p>
-          <a:p>
-            <a:r>
-              <a:rPr lang="en-US" dirty="0"/>
-              <a:t>99583,False </a:t>
+              <a:t>zip_codes_table</a:t>
+            </a:r>
+            <a:r>
+              <a:rPr lang="en-US" dirty="0"/>
+              <a:t>:</a:t>
+            </a:r>
+          </a:p>
+          <a:p>
+            <a:r>
+              <a:rPr lang="en-US" dirty="0"/>
+              <a:t>    if float(row[5]) &gt; 40:</a:t>
+            </a:r>
+          </a:p>
+          <a:p>
+            <a:r>
+              <a:rPr lang="en-US" dirty="0"/>
+              <a:t>        </a:t>
             </a:r>
             <a:r>
               <a:rPr lang="en-US" dirty="0" err="1"/>
-              <a:t>Pass,Alaska,AK,Aleutians</a:t>
-            </a:r>
-            <a:r>
-              <a:rPr lang="en-US" dirty="0"/>
-              <a:t> East,54.8542,-163.4113</a:t>
-            </a:r>
-          </a:p>
-          <a:p>
-            <a:r>
-              <a:rPr lang="en-US" dirty="0"/>
-              <a:t>99612,King </a:t>
+              <a:t>results.append</a:t>
+            </a:r>
+            <a:r>
+              <a:rPr lang="en-US" dirty="0"/>
+              <a:t>(row)</a:t>
+            </a:r>
+          </a:p>
+          <a:p>
+            <a:endParaRPr lang="en-US" dirty="0"/>
+          </a:p>
+          <a:p>
+            <a:r>
+              <a:rPr lang="en-US" dirty="0"/>
+              <a:t># Write only zip codes north of 40 degrees</a:t>
+            </a:r>
+          </a:p>
+          <a:p>
+            <a:r>
+              <a:rPr lang="en-US" dirty="0"/>
+              <a:t>with open('</a:t>
             </a:r>
             <a:r>
               <a:rPr lang="en-US" dirty="0" err="1"/>
-              <a:t>Cove,Alaska,AK,Aleutians</a:t>
-            </a:r>
-            <a:r>
-              <a:rPr lang="en-US" dirty="0"/>
-              <a:t> East,55.0628,-162.3056</a:t>
-            </a:r>
-          </a:p>
-          <a:p>
-            <a:r>
-              <a:rPr lang="en-US" dirty="0"/>
-              <a:t>99661,Sand </a:t>
+              <a:t>zipcodes_out.csv','w</a:t>
+            </a:r>
+            <a:r>
+              <a:rPr lang="en-US" dirty="0"/>
+              <a:t>') as </a:t>
             </a:r>
             <a:r>
               <a:rPr lang="en-US" dirty="0" err="1"/>
-              <a:t>Point,Alaska,AK,Aleutians</a:t>
-            </a:r>
-            <a:r>
-              <a:rPr lang="en-US" dirty="0"/>
-              <a:t> East,55.3192,-160.4914</a:t>
-            </a:r>
-          </a:p>
-          <a:p>
-            <a:r>
-              <a:rPr lang="en-US" dirty="0"/>
-              <a:t>99546,Adak,Alaska,AK,Aleutians West (CA),51.874,-176.634</a:t>
-            </a:r>
-          </a:p>
-          <a:p>
-            <a:r>
-              <a:rPr lang="en-US" dirty="0"/>
-              <a:t>99547,Atka,Alaska,AK,Aleutians West (CA),52.1961,-174.2006</a:t>
+              <a:t>f_out</a:t>
+            </a:r>
+            <a:r>
+              <a:rPr lang="en-US" dirty="0"/>
+              <a:t>:</a:t>
+            </a:r>
+          </a:p>
+          <a:p>
+            <a:r>
+              <a:rPr lang="en-US" dirty="0"/>
+              <a:t>    writer = </a:t>
+            </a:r>
+            <a:r>
+              <a:rPr lang="en-US" dirty="0" err="1"/>
+              <a:t>csv.writer</a:t>
+            </a:r>
+            <a:r>
+              <a:rPr lang="en-US" dirty="0"/>
+              <a:t>(</a:t>
+            </a:r>
+            <a:r>
+              <a:rPr lang="en-US" dirty="0" err="1"/>
+              <a:t>f_out</a:t>
+            </a:r>
+            <a:r>
+              <a:rPr lang="en-US" dirty="0"/>
+              <a:t>)</a:t>
+            </a:r>
+          </a:p>
+          <a:p>
+            <a:r>
+              <a:rPr lang="en-US" dirty="0"/>
+              <a:t>    </a:t>
+            </a:r>
+            <a:r>
+              <a:rPr lang="en-US" dirty="0" err="1"/>
+              <a:t>writer.writerows</a:t>
+            </a:r>
+            <a:r>
+              <a:rPr lang="en-US" dirty="0"/>
+              <a:t>(results)</a:t>
+            </a:r>
+          </a:p>
+          <a:p>
+            <a:endParaRPr lang="en-US" dirty="0"/>
+          </a:p>
+        </p:txBody>
+      </p:sp>
+      <p:sp>
+        <p:nvSpPr>
+          <p:cNvPr id="6" name="TextBox 5">
+            <a:extLst>
+              <a:ext uri="{FF2B5EF4-FFF2-40B4-BE49-F238E27FC236}">
+                <a16:creationId xmlns:a16="http://schemas.microsoft.com/office/drawing/2014/main" id="{B8BD5941-64C8-5C47-BCB3-2F7813D1E1BA}"/>
+              </a:ext>
+            </a:extLst>
+          </p:cNvPr>
+          <p:cNvSpPr txBox="1"/>
+          <p:nvPr/>
+        </p:nvSpPr>
+        <p:spPr>
+          <a:xfrm>
+            <a:off x="3835021" y="5431809"/>
+            <a:ext cx="2390398" cy="369332"/>
+          </a:xfrm>
+          <a:prstGeom prst="rect">
+            <a:avLst/>
+          </a:prstGeom>
+          <a:noFill/>
+        </p:spPr>
+        <p:txBody>
+          <a:bodyPr wrap="none" rtlCol="0">
+            <a:spAutoFit/>
+          </a:bodyPr>
+          <a:lstStyle/>
+          <a:p>
+            <a:r>
+              <a:rPr lang="en-US" dirty="0"/>
+              <a:t>&lt;zipcodees-deg2.py&gt;</a:t>
             </a:r>
           </a:p>
         </p:txBody>
@@ -8687,7 +8698,7 @@
     </p:spTree>
     <p:extLst>
       <p:ext uri="{BB962C8B-B14F-4D97-AF65-F5344CB8AC3E}">
-        <p14:creationId xmlns:p14="http://schemas.microsoft.com/office/powerpoint/2010/main" val="2587576816"/>
+        <p14:creationId xmlns:p14="http://schemas.microsoft.com/office/powerpoint/2010/main" val="359607042"/>
       </p:ext>
     </p:extLst>
   </p:cSld>
@@ -8719,7 +8730,7 @@
           <p:cNvPr id="2" name="Text Placeholder 1">
             <a:extLst>
               <a:ext uri="{FF2B5EF4-FFF2-40B4-BE49-F238E27FC236}">
-                <a16:creationId xmlns:a16="http://schemas.microsoft.com/office/drawing/2014/main" id="{C4947681-E2A1-644F-9CAD-06437B9F271D}"/>
+                <a16:creationId xmlns:a16="http://schemas.microsoft.com/office/drawing/2014/main" id="{06E88012-EA37-4246-8DA9-19B4AF6595E1}"/>
               </a:ext>
             </a:extLst>
           </p:cNvPr>
@@ -8727,38 +8738,13 @@
             <a:spLocks noGrp="1"/>
           </p:cNvSpPr>
           <p:nvPr>
-            <p:ph type="body" sz="quarter" idx="11"/>
-          </p:nvPr>
-        </p:nvSpPr>
-        <p:spPr/>
-        <p:txBody>
-          <a:bodyPr/>
-          <a:lstStyle/>
-          <a:p>
-            <a:endParaRPr lang="en-US"/>
-          </a:p>
-        </p:txBody>
-      </p:sp>
-      <p:sp>
-        <p:nvSpPr>
-          <p:cNvPr id="3" name="Text Placeholder 2">
-            <a:extLst>
-              <a:ext uri="{FF2B5EF4-FFF2-40B4-BE49-F238E27FC236}">
-                <a16:creationId xmlns:a16="http://schemas.microsoft.com/office/drawing/2014/main" id="{1EFBC616-6C2A-734B-801B-1DAAC86D6A00}"/>
-              </a:ext>
-            </a:extLst>
-          </p:cNvPr>
-          <p:cNvSpPr>
-            <a:spLocks noGrp="1"/>
-          </p:cNvSpPr>
-          <p:nvPr>
-            <p:ph type="body" sz="quarter" idx="12"/>
+            <p:ph type="body" sz="quarter" idx="10"/>
           </p:nvPr>
         </p:nvSpPr>
         <p:spPr>
           <a:xfrm>
-            <a:off x="949123" y="368778"/>
-            <a:ext cx="10955577" cy="1755994"/>
+            <a:off x="3344863" y="1143000"/>
+            <a:ext cx="7593012" cy="2177006"/>
           </a:xfrm>
         </p:spPr>
         <p:txBody>
@@ -8766,141 +8752,32 @@
           <a:lstStyle/>
           <a:p>
             <a:r>
-              <a:rPr lang="en-US" b="1" dirty="0">
-                <a:solidFill>
-                  <a:srgbClr val="204A87"/>
-                </a:solidFill>
-                <a:latin typeface="Consolas" panose="020B0609020204030204" pitchFamily="49" charset="0"/>
-              </a:rPr>
-              <a:t># Split CSV file into a list of lines</a:t>
-            </a:r>
-          </a:p>
-          <a:p>
-            <a:r>
-              <a:rPr lang="en-US" b="1" dirty="0">
-                <a:solidFill>
-                  <a:srgbClr val="204A87"/>
-                </a:solidFill>
-                <a:latin typeface="Consolas" panose="020B0609020204030204" pitchFamily="49" charset="0"/>
-              </a:rPr>
-              <a:t>with open('</a:t>
-            </a:r>
-            <a:r>
-              <a:rPr lang="en-US" b="1" dirty="0" err="1">
-                <a:solidFill>
-                  <a:srgbClr val="204A87"/>
-                </a:solidFill>
-                <a:latin typeface="Consolas" panose="020B0609020204030204" pitchFamily="49" charset="0"/>
-              </a:rPr>
-              <a:t>zipcodesnamed.csv</a:t>
-            </a:r>
-            <a:r>
-              <a:rPr lang="en-US" b="1" dirty="0">
-                <a:solidFill>
-                  <a:srgbClr val="204A87"/>
-                </a:solidFill>
-                <a:latin typeface="Consolas" panose="020B0609020204030204" pitchFamily="49" charset="0"/>
-              </a:rPr>
-              <a:t>') as f:</a:t>
-            </a:r>
-          </a:p>
-          <a:p>
-            <a:r>
-              <a:rPr lang="en-US" b="1" dirty="0">
-                <a:solidFill>
-                  <a:srgbClr val="204A87"/>
-                </a:solidFill>
-                <a:latin typeface="Consolas" panose="020B0609020204030204" pitchFamily="49" charset="0"/>
-              </a:rPr>
-              <a:t>    reader = </a:t>
-            </a:r>
-            <a:r>
-              <a:rPr lang="en-US" b="1" dirty="0" err="1">
-                <a:solidFill>
-                  <a:srgbClr val="204A87"/>
-                </a:solidFill>
-                <a:latin typeface="Consolas" panose="020B0609020204030204" pitchFamily="49" charset="0"/>
-              </a:rPr>
-              <a:t>csv.DictReader</a:t>
-            </a:r>
-            <a:r>
-              <a:rPr lang="en-US" b="1" dirty="0">
-                <a:solidFill>
-                  <a:srgbClr val="204A87"/>
-                </a:solidFill>
-                <a:latin typeface="Consolas" panose="020B0609020204030204" pitchFamily="49" charset="0"/>
-              </a:rPr>
-              <a:t>(f)</a:t>
-            </a:r>
-          </a:p>
-          <a:p>
-            <a:r>
-              <a:rPr lang="en-US" b="1" dirty="0">
-                <a:solidFill>
-                  <a:srgbClr val="204A87"/>
-                </a:solidFill>
-                <a:latin typeface="Consolas" panose="020B0609020204030204" pitchFamily="49" charset="0"/>
-              </a:rPr>
-              <a:t>    </a:t>
-            </a:r>
-            <a:r>
-              <a:rPr lang="en-US" b="1" dirty="0" err="1">
-                <a:solidFill>
-                  <a:srgbClr val="204A87"/>
-                </a:solidFill>
-                <a:latin typeface="Consolas" panose="020B0609020204030204" pitchFamily="49" charset="0"/>
-              </a:rPr>
-              <a:t>zip_codes_table</a:t>
-            </a:r>
-            <a:r>
-              <a:rPr lang="en-US" b="1" dirty="0">
-                <a:solidFill>
-                  <a:srgbClr val="204A87"/>
-                </a:solidFill>
-                <a:latin typeface="Consolas" panose="020B0609020204030204" pitchFamily="49" charset="0"/>
-              </a:rPr>
-              <a:t> = list(reader)</a:t>
-            </a:r>
-            <a:endParaRPr lang="en-US" b="1" dirty="0">
-              <a:solidFill>
-                <a:srgbClr val="000000"/>
-              </a:solidFill>
-              <a:latin typeface="Consolas" panose="020B0609020204030204" pitchFamily="49" charset="0"/>
-            </a:endParaRPr>
-          </a:p>
-        </p:txBody>
-      </p:sp>
-      <p:sp>
-        <p:nvSpPr>
-          <p:cNvPr id="4" name="TextBox 3">
-            <a:extLst>
-              <a:ext uri="{FF2B5EF4-FFF2-40B4-BE49-F238E27FC236}">
-                <a16:creationId xmlns:a16="http://schemas.microsoft.com/office/drawing/2014/main" id="{ED99A3EF-D34A-3242-8C33-A2EA76E77CFC}"/>
-              </a:ext>
-            </a:extLst>
-          </p:cNvPr>
-          <p:cNvSpPr txBox="1"/>
-          <p:nvPr/>
-        </p:nvSpPr>
-        <p:spPr>
-          <a:xfrm>
-            <a:off x="3985146" y="3998794"/>
-            <a:ext cx="2121093" cy="369332"/>
-          </a:xfrm>
-          <a:prstGeom prst="rect">
-            <a:avLst/>
-          </a:prstGeom>
-          <a:noFill/>
-        </p:spPr>
-        <p:txBody>
-          <a:bodyPr wrap="none" rtlCol="0">
-            <a:spAutoFit/>
-          </a:bodyPr>
-          <a:lstStyle/>
-          <a:p>
-            <a:r>
-              <a:rPr lang="en-US" dirty="0"/>
-              <a:t>&lt;zipcodes-ny5.py&gt;</a:t>
+              <a:rPr lang="en-US" dirty="0">
+                <a:solidFill>
+                  <a:schemeClr val="bg1"/>
+                </a:solidFill>
+              </a:rPr>
+              <a:t>4</a:t>
+            </a:r>
+          </a:p>
+          <a:p>
+            <a:r>
+              <a:rPr lang="en-US" dirty="0">
+                <a:solidFill>
+                  <a:schemeClr val="bg1"/>
+                </a:solidFill>
+              </a:rPr>
+              <a:t>CTECH403_M4_07</a:t>
+            </a:r>
+          </a:p>
+          <a:p>
+            <a:r>
+              <a:rPr lang="en-US" dirty="0">
+                <a:solidFill>
+                  <a:schemeClr val="bg1"/>
+                </a:solidFill>
+              </a:rPr>
+              <a:t>Named Columns</a:t>
             </a:r>
           </a:p>
         </p:txBody>
@@ -8908,7 +8785,7 @@
     </p:spTree>
     <p:extLst>
       <p:ext uri="{BB962C8B-B14F-4D97-AF65-F5344CB8AC3E}">
-        <p14:creationId xmlns:p14="http://schemas.microsoft.com/office/powerpoint/2010/main" val="1372655202"/>
+        <p14:creationId xmlns:p14="http://schemas.microsoft.com/office/powerpoint/2010/main" val="2756242357"/>
       </p:ext>
     </p:extLst>
   </p:cSld>
@@ -8937,10 +8814,10 @@
       </p:grpSpPr>
       <p:sp>
         <p:nvSpPr>
-          <p:cNvPr id="2" name="Text Placeholder 1">
+          <p:cNvPr id="4" name="Text Placeholder 3">
             <a:extLst>
               <a:ext uri="{FF2B5EF4-FFF2-40B4-BE49-F238E27FC236}">
-                <a16:creationId xmlns:a16="http://schemas.microsoft.com/office/drawing/2014/main" id="{76349780-C5B3-9445-9CD3-93B0A41D72F5}"/>
+                <a16:creationId xmlns:a16="http://schemas.microsoft.com/office/drawing/2014/main" id="{277217F4-1D6A-444C-B249-868AA4AC7ADB}"/>
               </a:ext>
             </a:extLst>
           </p:cNvPr>
@@ -8954,79 +8831,79 @@
         <p:spPr/>
         <p:txBody>
           <a:bodyPr>
-            <a:normAutofit/>
+            <a:normAutofit lnSpcReduction="10000"/>
           </a:bodyPr>
           <a:lstStyle/>
           <a:p>
             <a:r>
               <a:rPr lang="en-US" dirty="0"/>
-              <a:t>Note! If you're using the regular reader, it won't know that the first row is a header row.</a:t>
-            </a:r>
-          </a:p>
-          <a:p>
-            <a:r>
-              <a:rPr lang="en-US" dirty="0"/>
-              <a:t>Your choices:</a:t>
-            </a:r>
-          </a:p>
-          <a:p>
-            <a:r>
-              <a:rPr lang="en-US" dirty="0"/>
-              <a:t>(1) use </a:t>
-            </a:r>
-            <a:r>
-              <a:rPr lang="en-US" dirty="0" err="1"/>
-              <a:t>DictReader</a:t>
-            </a:r>
-            <a:r>
-              <a:rPr lang="en-US" dirty="0"/>
-              <a:t> (recommended)</a:t>
-            </a:r>
-          </a:p>
-          <a:p>
-            <a:r>
-              <a:rPr lang="en-US" dirty="0"/>
-              <a:t>(2) delete the header row from the file before working with it (usually bad)</a:t>
-            </a:r>
-          </a:p>
-          <a:p>
-            <a:r>
-              <a:rPr lang="en-US" dirty="0"/>
-              <a:t>(3) explicitly tell reader to skip the first row,</a:t>
-            </a:r>
-          </a:p>
-          <a:p>
-            <a:pPr lvl="1"/>
-            <a:r>
-              <a:rPr lang="en-US" dirty="0"/>
-              <a:t>To do that call </a:t>
+              <a:t>Here's another way to think about tabular data.</a:t>
+            </a:r>
+          </a:p>
+          <a:p>
+            <a:r>
+              <a:rPr lang="en-US" dirty="0"/>
+              <a:t>The element 3 in each row is always a state abbreviation. element 0 is always a zip code </a:t>
             </a:r>
             <a:r>
               <a:rPr lang="en-US" b="1" dirty="0"/>
-              <a:t>next(reader) </a:t>
-            </a:r>
-            <a:r>
-              <a:rPr lang="en-US" dirty="0"/>
-              <a:t>and it will skip that one line</a:t>
-            </a:r>
-          </a:p>
-          <a:p>
-            <a:pPr lvl="1"/>
-            <a:r>
-              <a:rPr lang="en-US" dirty="0"/>
-              <a:t>Then it's safe to call </a:t>
+              <a:t>(Illustrate this)</a:t>
+            </a:r>
+            <a:endParaRPr lang="en-US" dirty="0"/>
+          </a:p>
+          <a:p>
+            <a:r>
+              <a:rPr lang="en-US" dirty="0"/>
+              <a:t>Wouldn't it be easier to write </a:t>
             </a:r>
             <a:r>
               <a:rPr lang="en-US" b="1" dirty="0"/>
-              <a:t>lines(reader)</a:t>
-            </a:r>
+              <a:t>row['Zip Code'] </a:t>
+            </a:r>
+            <a:r>
+              <a:rPr lang="en-US" dirty="0"/>
+              <a:t>rather than </a:t>
+            </a:r>
+            <a:r>
+              <a:rPr lang="en-US" b="1" dirty="0"/>
+              <a:t>row[0]</a:t>
+            </a:r>
+            <a:endParaRPr lang="en-US" dirty="0"/>
+          </a:p>
+          <a:p>
+            <a:r>
+              <a:rPr lang="en-US" dirty="0"/>
+              <a:t>I.e., rather than a list of </a:t>
+            </a:r>
+            <a:r>
+              <a:rPr lang="en-US" i="1" dirty="0"/>
+              <a:t>lists</a:t>
+            </a:r>
+            <a:r>
+              <a:rPr lang="en-US" dirty="0"/>
+              <a:t>, we'd like a list of </a:t>
+            </a:r>
+            <a:r>
+              <a:rPr lang="en-US" i="1" dirty="0"/>
+              <a:t>dictionaries</a:t>
+            </a:r>
+            <a:r>
+              <a:rPr lang="en-US" dirty="0"/>
+              <a:t>: each row is a dictionary from field names ('Zip Code') to values ('90210')</a:t>
+            </a:r>
+          </a:p>
+          <a:p>
+            <a:endParaRPr lang="en-US" dirty="0"/>
+          </a:p>
+          <a:p>
+            <a:endParaRPr lang="en-US" dirty="0"/>
           </a:p>
         </p:txBody>
       </p:sp>
     </p:spTree>
     <p:extLst>
       <p:ext uri="{BB962C8B-B14F-4D97-AF65-F5344CB8AC3E}">
-        <p14:creationId xmlns:p14="http://schemas.microsoft.com/office/powerpoint/2010/main" val="2983782365"/>
+        <p14:creationId xmlns:p14="http://schemas.microsoft.com/office/powerpoint/2010/main" val="3862190370"/>
       </p:ext>
     </p:extLst>
   </p:cSld>
@@ -9058,7 +8935,7 @@
           <p:cNvPr id="2" name="Text Placeholder 1">
             <a:extLst>
               <a:ext uri="{FF2B5EF4-FFF2-40B4-BE49-F238E27FC236}">
-                <a16:creationId xmlns:a16="http://schemas.microsoft.com/office/drawing/2014/main" id="{9D53DE5C-02B0-E24C-8A02-0F2D55EA025A}"/>
+                <a16:creationId xmlns:a16="http://schemas.microsoft.com/office/drawing/2014/main" id="{266C13B0-C4BC-9840-9553-99179E5AAA16}"/>
               </a:ext>
             </a:extLst>
           </p:cNvPr>
@@ -9066,295 +8943,62 @@
             <a:spLocks noGrp="1"/>
           </p:cNvSpPr>
           <p:nvPr>
-            <p:ph type="body" sz="quarter" idx="11"/>
+            <p:ph type="body" sz="quarter" idx="10"/>
           </p:nvPr>
         </p:nvSpPr>
-        <p:spPr>
-          <a:xfrm>
-            <a:off x="5892800" y="359330"/>
-            <a:ext cx="6011900" cy="1340495"/>
-          </a:xfrm>
-        </p:spPr>
+        <p:spPr/>
         <p:txBody>
           <a:bodyPr/>
           <a:lstStyle/>
           <a:p>
             <a:r>
-              <a:rPr lang="en-US" b="1" dirty="0">
-                <a:solidFill>
-                  <a:srgbClr val="000000"/>
-                </a:solidFill>
-                <a:latin typeface="Consolas" panose="020B0609020204030204" pitchFamily="49" charset="0"/>
-              </a:rPr>
-              <a:t>reader </a:t>
-            </a:r>
-            <a:r>
-              <a:rPr lang="en-US" b="1" dirty="0">
-                <a:solidFill>
-                  <a:srgbClr val="CE5C06"/>
-                </a:solidFill>
-                <a:latin typeface="Consolas-Bold"/>
-              </a:rPr>
-              <a:t>=</a:t>
-            </a:r>
-            <a:r>
-              <a:rPr lang="en-US" b="1" dirty="0">
-                <a:solidFill>
-                  <a:srgbClr val="000000"/>
-                </a:solidFill>
-                <a:latin typeface="Consolas" panose="020B0609020204030204" pitchFamily="49" charset="0"/>
-              </a:rPr>
+              <a:rPr lang="en-US" dirty="0"/>
+              <a:t>That's easy. Just use </a:t>
+            </a:r>
+            <a:r>
+              <a:rPr lang="en-US" b="1" dirty="0" err="1"/>
+              <a:t>csv.DictReader</a:t>
+            </a:r>
+            <a:r>
+              <a:rPr lang="en-US" b="1" dirty="0"/>
               <a:t> </a:t>
             </a:r>
             <a:r>
-              <a:rPr lang="en-US" b="1" dirty="0" err="1">
-                <a:solidFill>
-                  <a:srgbClr val="000000"/>
-                </a:solidFill>
-                <a:latin typeface="Consolas" panose="020B0609020204030204" pitchFamily="49" charset="0"/>
-              </a:rPr>
-              <a:t>csv</a:t>
-            </a:r>
-            <a:r>
-              <a:rPr lang="en-US" b="1" dirty="0" err="1">
-                <a:solidFill>
-                  <a:srgbClr val="CE5C06"/>
-                </a:solidFill>
-                <a:latin typeface="Consolas-Bold"/>
-              </a:rPr>
-              <a:t>.</a:t>
-            </a:r>
-            <a:r>
-              <a:rPr lang="en-US" b="1" dirty="0" err="1">
-                <a:solidFill>
-                  <a:srgbClr val="000000"/>
-                </a:solidFill>
-                <a:latin typeface="Consolas" panose="020B0609020204030204" pitchFamily="49" charset="0"/>
-              </a:rPr>
-              <a:t>reader</a:t>
-            </a:r>
-            <a:r>
-              <a:rPr lang="en-US" b="1" dirty="0">
-                <a:solidFill>
-                  <a:srgbClr val="000000"/>
-                </a:solidFill>
-                <a:latin typeface="Consolas-Bold"/>
-              </a:rPr>
-              <a:t>(</a:t>
-            </a:r>
-            <a:r>
-              <a:rPr lang="en-US" b="1" dirty="0">
-                <a:solidFill>
-                  <a:srgbClr val="000000"/>
-                </a:solidFill>
-                <a:latin typeface="Consolas" panose="020B0609020204030204" pitchFamily="49" charset="0"/>
-              </a:rPr>
-              <a:t>f</a:t>
-            </a:r>
-            <a:r>
-              <a:rPr lang="en-US" b="1" dirty="0">
-                <a:solidFill>
-                  <a:srgbClr val="000000"/>
-                </a:solidFill>
-                <a:latin typeface="Consolas-Bold"/>
-              </a:rPr>
-              <a:t>)</a:t>
-            </a:r>
-          </a:p>
-          <a:p>
-            <a:r>
-              <a:rPr lang="en-US" b="1" dirty="0">
-                <a:solidFill>
-                  <a:srgbClr val="000000"/>
-                </a:solidFill>
-                <a:highlight>
-                  <a:srgbClr val="FFFF00"/>
-                </a:highlight>
-                <a:latin typeface="Consolas" panose="020B0609020204030204" pitchFamily="49" charset="0"/>
-              </a:rPr>
-              <a:t>header </a:t>
-            </a:r>
-            <a:r>
-              <a:rPr lang="en-US" b="1" dirty="0">
-                <a:solidFill>
-                  <a:srgbClr val="CE5C06"/>
-                </a:solidFill>
-                <a:highlight>
-                  <a:srgbClr val="FFFF00"/>
-                </a:highlight>
-                <a:latin typeface="Consolas-Bold"/>
-              </a:rPr>
-              <a:t>=</a:t>
-            </a:r>
-            <a:r>
-              <a:rPr lang="en-US" b="1" dirty="0">
-                <a:solidFill>
-                  <a:srgbClr val="000000"/>
-                </a:solidFill>
-                <a:highlight>
-                  <a:srgbClr val="FFFF00"/>
-                </a:highlight>
-                <a:latin typeface="Consolas" panose="020B0609020204030204" pitchFamily="49" charset="0"/>
-              </a:rPr>
-              <a:t> </a:t>
-            </a:r>
-            <a:r>
-              <a:rPr lang="en-US" b="1" dirty="0">
-                <a:solidFill>
-                  <a:srgbClr val="204A87"/>
-                </a:solidFill>
-                <a:highlight>
-                  <a:srgbClr val="FFFF00"/>
-                </a:highlight>
-                <a:latin typeface="Consolas" panose="020B0609020204030204" pitchFamily="49" charset="0"/>
-              </a:rPr>
-              <a:t>next</a:t>
-            </a:r>
-            <a:r>
-              <a:rPr lang="en-US" b="1" dirty="0">
-                <a:solidFill>
-                  <a:srgbClr val="000000"/>
-                </a:solidFill>
-                <a:highlight>
-                  <a:srgbClr val="FFFF00"/>
-                </a:highlight>
-                <a:latin typeface="Consolas-Bold"/>
-              </a:rPr>
-              <a:t>(</a:t>
-            </a:r>
-            <a:r>
-              <a:rPr lang="en-US" b="1" dirty="0">
-                <a:solidFill>
-                  <a:srgbClr val="000000"/>
-                </a:solidFill>
-                <a:highlight>
-                  <a:srgbClr val="FFFF00"/>
-                </a:highlight>
-                <a:latin typeface="Consolas" panose="020B0609020204030204" pitchFamily="49" charset="0"/>
-              </a:rPr>
-              <a:t>reader</a:t>
-            </a:r>
-            <a:r>
-              <a:rPr lang="en-US" b="1" dirty="0">
-                <a:solidFill>
-                  <a:srgbClr val="000000"/>
-                </a:solidFill>
-                <a:highlight>
-                  <a:srgbClr val="FFFF00"/>
-                </a:highlight>
-                <a:latin typeface="Consolas-Bold"/>
-              </a:rPr>
-              <a:t>)</a:t>
-            </a:r>
-          </a:p>
-          <a:p>
-            <a:r>
-              <a:rPr lang="en-US" b="1" dirty="0" err="1">
-                <a:solidFill>
-                  <a:srgbClr val="000000"/>
-                </a:solidFill>
-                <a:latin typeface="Consolas" panose="020B0609020204030204" pitchFamily="49" charset="0"/>
-              </a:rPr>
-              <a:t>zip_code_table</a:t>
-            </a:r>
-            <a:r>
-              <a:rPr lang="en-US" b="1" dirty="0">
-                <a:solidFill>
-                  <a:srgbClr val="000000"/>
-                </a:solidFill>
-                <a:latin typeface="Consolas" panose="020B0609020204030204" pitchFamily="49" charset="0"/>
-              </a:rPr>
-              <a:t> </a:t>
-            </a:r>
-            <a:r>
-              <a:rPr lang="en-US" b="1" dirty="0">
-                <a:solidFill>
-                  <a:srgbClr val="CE5C06"/>
-                </a:solidFill>
-                <a:latin typeface="Consolas-Bold"/>
-              </a:rPr>
-              <a:t>=</a:t>
-            </a:r>
-            <a:r>
-              <a:rPr lang="en-US" b="1" dirty="0">
-                <a:solidFill>
-                  <a:srgbClr val="000000"/>
-                </a:solidFill>
-                <a:latin typeface="Consolas" panose="020B0609020204030204" pitchFamily="49" charset="0"/>
-              </a:rPr>
-              <a:t> </a:t>
-            </a:r>
-            <a:r>
-              <a:rPr lang="en-US" b="1" dirty="0">
-                <a:solidFill>
-                  <a:srgbClr val="204A87"/>
-                </a:solidFill>
-                <a:latin typeface="Consolas" panose="020B0609020204030204" pitchFamily="49" charset="0"/>
-              </a:rPr>
-              <a:t>list</a:t>
-            </a:r>
-            <a:r>
-              <a:rPr lang="en-US" b="1" dirty="0">
-                <a:solidFill>
-                  <a:srgbClr val="000000"/>
-                </a:solidFill>
-                <a:latin typeface="Consolas-Bold"/>
-              </a:rPr>
-              <a:t>(</a:t>
-            </a:r>
-            <a:r>
-              <a:rPr lang="en-US" b="1" dirty="0">
-                <a:solidFill>
-                  <a:srgbClr val="000000"/>
-                </a:solidFill>
-                <a:latin typeface="Consolas" panose="020B0609020204030204" pitchFamily="49" charset="0"/>
-              </a:rPr>
-              <a:t>reader</a:t>
-            </a:r>
-            <a:r>
-              <a:rPr lang="en-US" b="1" dirty="0">
-                <a:solidFill>
-                  <a:srgbClr val="000000"/>
-                </a:solidFill>
-                <a:latin typeface="Consolas-Bold"/>
-              </a:rPr>
-              <a:t>)</a:t>
+              <a:rPr lang="en-US" dirty="0"/>
+              <a:t>instead of </a:t>
+            </a:r>
+            <a:r>
+              <a:rPr lang="en-US" b="1" dirty="0" err="1"/>
+              <a:t>csv.reader</a:t>
             </a:r>
             <a:endParaRPr lang="en-US" b="1" dirty="0"/>
           </a:p>
-        </p:txBody>
-      </p:sp>
-      <p:sp>
-        <p:nvSpPr>
-          <p:cNvPr id="3" name="TextBox 2">
-            <a:extLst>
-              <a:ext uri="{FF2B5EF4-FFF2-40B4-BE49-F238E27FC236}">
-                <a16:creationId xmlns:a16="http://schemas.microsoft.com/office/drawing/2014/main" id="{95E13FD0-6AA0-7844-B899-26BA556A0BBC}"/>
-              </a:ext>
-            </a:extLst>
-          </p:cNvPr>
-          <p:cNvSpPr txBox="1"/>
-          <p:nvPr/>
-        </p:nvSpPr>
-        <p:spPr>
-          <a:xfrm>
-            <a:off x="4872251" y="4858603"/>
-            <a:ext cx="2005677" cy="369332"/>
-          </a:xfrm>
-          <a:prstGeom prst="rect">
-            <a:avLst/>
-          </a:prstGeom>
-          <a:noFill/>
-        </p:spPr>
-        <p:txBody>
-          <a:bodyPr wrap="none" rtlCol="0">
-            <a:spAutoFit/>
-          </a:bodyPr>
-          <a:lstStyle/>
-          <a:p>
-            <a:r>
-              <a:rPr lang="en-US" dirty="0"/>
-              <a:t>&lt;zipcode-ny6.py&gt;</a:t>
+          <a:p>
+            <a:r>
+              <a:rPr lang="en-US" dirty="0"/>
+              <a:t>The only complication is that </a:t>
+            </a:r>
+            <a:r>
+              <a:rPr lang="en-US" dirty="0" err="1"/>
+              <a:t>DictReader</a:t>
+            </a:r>
+            <a:r>
+              <a:rPr lang="en-US" dirty="0"/>
+              <a:t> needs to know what the field names are so it can recognize them when we use them</a:t>
+            </a:r>
+          </a:p>
+          <a:p>
+            <a:r>
+              <a:rPr lang="en-US" dirty="0"/>
+              <a:t>How do we do that? Well, each row is a list of fields in the same order, so the names are also a list. We just give </a:t>
+            </a:r>
+            <a:r>
+              <a:rPr lang="en-US" dirty="0" err="1"/>
+              <a:t>DictReader</a:t>
+            </a:r>
+            <a:r>
+              <a:rPr lang="en-US" dirty="0"/>
+              <a:t> a list of field names.</a:t>
             </a:r>
           </a:p>
         </p:txBody>
@@ -9362,7 +9006,7 @@
     </p:spTree>
     <p:extLst>
       <p:ext uri="{BB962C8B-B14F-4D97-AF65-F5344CB8AC3E}">
-        <p14:creationId xmlns:p14="http://schemas.microsoft.com/office/powerpoint/2010/main" val="541929401"/>
+        <p14:creationId xmlns:p14="http://schemas.microsoft.com/office/powerpoint/2010/main" val="457552129"/>
       </p:ext>
     </p:extLst>
   </p:cSld>
@@ -9394,7 +9038,7 @@
           <p:cNvPr id="2" name="Text Placeholder 1">
             <a:extLst>
               <a:ext uri="{FF2B5EF4-FFF2-40B4-BE49-F238E27FC236}">
-                <a16:creationId xmlns:a16="http://schemas.microsoft.com/office/drawing/2014/main" id="{B7733A8A-B9D5-B845-ADA6-F5F6E4BC09F2}"/>
+                <a16:creationId xmlns:a16="http://schemas.microsoft.com/office/drawing/2014/main" id="{A6D5BE0B-D4E3-544A-AE61-EAED2E55BC06}"/>
               </a:ext>
             </a:extLst>
           </p:cNvPr>
@@ -9402,7 +9046,7 @@
             <a:spLocks noGrp="1"/>
           </p:cNvSpPr>
           <p:nvPr>
-            <p:ph type="body" sz="quarter" idx="10"/>
+            <p:ph type="body" sz="quarter" idx="11"/>
           </p:nvPr>
         </p:nvSpPr>
         <p:spPr/>
@@ -9410,23 +9054,442 @@
           <a:bodyPr/>
           <a:lstStyle/>
           <a:p>
-            <a:r>
-              <a:rPr lang="en-US" dirty="0"/>
-              <a:t>This is another one of those file format issues: tedious but unavoidable</a:t>
-            </a:r>
-          </a:p>
-          <a:p>
-            <a:pPr marL="0" indent="0">
-              <a:buNone/>
-            </a:pPr>
-            <a:endParaRPr lang="en-US" dirty="0"/>
+            <a:endParaRPr lang="en-US"/>
+          </a:p>
+        </p:txBody>
+      </p:sp>
+      <p:sp>
+        <p:nvSpPr>
+          <p:cNvPr id="3" name="Text Placeholder 2">
+            <a:extLst>
+              <a:ext uri="{FF2B5EF4-FFF2-40B4-BE49-F238E27FC236}">
+                <a16:creationId xmlns:a16="http://schemas.microsoft.com/office/drawing/2014/main" id="{C81D538D-94ED-A248-8931-ED55A58F8F09}"/>
+              </a:ext>
+            </a:extLst>
+          </p:cNvPr>
+          <p:cNvSpPr>
+            <a:spLocks noGrp="1"/>
+          </p:cNvSpPr>
+          <p:nvPr>
+            <p:ph type="body" sz="quarter" idx="12"/>
+          </p:nvPr>
+        </p:nvSpPr>
+        <p:spPr>
+          <a:xfrm>
+            <a:off x="949123" y="368778"/>
+            <a:ext cx="10955577" cy="5982663"/>
+          </a:xfrm>
+        </p:spPr>
+        <p:txBody>
+          <a:bodyPr/>
+          <a:lstStyle/>
+          <a:p>
+            <a:r>
+              <a:rPr lang="en-US" sz="1700" b="1" dirty="0">
+                <a:solidFill>
+                  <a:srgbClr val="204A87"/>
+                </a:solidFill>
+                <a:latin typeface="Consolas" panose="020B0609020204030204" pitchFamily="49" charset="0"/>
+              </a:rPr>
+              <a:t>import csv</a:t>
+            </a:r>
+          </a:p>
+          <a:p>
+            <a:endParaRPr lang="en-US" sz="1700" b="1" dirty="0">
+              <a:solidFill>
+                <a:srgbClr val="204A87"/>
+              </a:solidFill>
+              <a:latin typeface="Consolas" panose="020B0609020204030204" pitchFamily="49" charset="0"/>
+            </a:endParaRPr>
+          </a:p>
+          <a:p>
+            <a:r>
+              <a:rPr lang="en-US" sz="1700" b="1" dirty="0">
+                <a:solidFill>
+                  <a:srgbClr val="204A87"/>
+                </a:solidFill>
+                <a:highlight>
+                  <a:srgbClr val="FFFF00"/>
+                </a:highlight>
+                <a:latin typeface="Consolas" panose="020B0609020204030204" pitchFamily="49" charset="0"/>
+              </a:rPr>
+              <a:t>fields = ['Zip Code', 'City', 'State', 'State </a:t>
+            </a:r>
+            <a:r>
+              <a:rPr lang="en-US" sz="1700" b="1" dirty="0" err="1">
+                <a:solidFill>
+                  <a:srgbClr val="204A87"/>
+                </a:solidFill>
+                <a:highlight>
+                  <a:srgbClr val="FFFF00"/>
+                </a:highlight>
+                <a:latin typeface="Consolas" panose="020B0609020204030204" pitchFamily="49" charset="0"/>
+              </a:rPr>
+              <a:t>Abbr</a:t>
+            </a:r>
+            <a:r>
+              <a:rPr lang="en-US" sz="1700" b="1" dirty="0">
+                <a:solidFill>
+                  <a:srgbClr val="204A87"/>
+                </a:solidFill>
+                <a:highlight>
+                  <a:srgbClr val="FFFF00"/>
+                </a:highlight>
+                <a:latin typeface="Consolas" panose="020B0609020204030204" pitchFamily="49" charset="0"/>
+              </a:rPr>
+              <a:t>', 'County', 'Latitude', 'Longitude']</a:t>
+            </a:r>
+          </a:p>
+          <a:p>
+            <a:endParaRPr lang="en-US" sz="1700" b="1" dirty="0">
+              <a:solidFill>
+                <a:srgbClr val="204A87"/>
+              </a:solidFill>
+              <a:latin typeface="Consolas" panose="020B0609020204030204" pitchFamily="49" charset="0"/>
+            </a:endParaRPr>
+          </a:p>
+          <a:p>
+            <a:r>
+              <a:rPr lang="en-US" sz="1700" b="1" dirty="0">
+                <a:solidFill>
+                  <a:srgbClr val="204A87"/>
+                </a:solidFill>
+                <a:latin typeface="Consolas" panose="020B0609020204030204" pitchFamily="49" charset="0"/>
+              </a:rPr>
+              <a:t># Split CSV file into a list of lines</a:t>
+            </a:r>
+          </a:p>
+          <a:p>
+            <a:r>
+              <a:rPr lang="en-US" sz="1700" b="1" dirty="0">
+                <a:solidFill>
+                  <a:srgbClr val="204A87"/>
+                </a:solidFill>
+                <a:latin typeface="Consolas" panose="020B0609020204030204" pitchFamily="49" charset="0"/>
+              </a:rPr>
+              <a:t>with open('</a:t>
+            </a:r>
+            <a:r>
+              <a:rPr lang="en-US" sz="1700" b="1" dirty="0" err="1">
+                <a:solidFill>
+                  <a:srgbClr val="204A87"/>
+                </a:solidFill>
+                <a:latin typeface="Consolas" panose="020B0609020204030204" pitchFamily="49" charset="0"/>
+              </a:rPr>
+              <a:t>zipcodes.csv</a:t>
+            </a:r>
+            <a:r>
+              <a:rPr lang="en-US" sz="1700" b="1" dirty="0">
+                <a:solidFill>
+                  <a:srgbClr val="204A87"/>
+                </a:solidFill>
+                <a:latin typeface="Consolas" panose="020B0609020204030204" pitchFamily="49" charset="0"/>
+              </a:rPr>
+              <a:t>') as f:</a:t>
+            </a:r>
+          </a:p>
+          <a:p>
+            <a:r>
+              <a:rPr lang="en-US" sz="1700" b="1" dirty="0">
+                <a:solidFill>
+                  <a:srgbClr val="204A87"/>
+                </a:solidFill>
+                <a:latin typeface="Consolas" panose="020B0609020204030204" pitchFamily="49" charset="0"/>
+              </a:rPr>
+              <a:t>    reader = </a:t>
+            </a:r>
+            <a:r>
+              <a:rPr lang="en-US" sz="1700" b="1" dirty="0" err="1">
+                <a:solidFill>
+                  <a:srgbClr val="204A87"/>
+                </a:solidFill>
+                <a:latin typeface="Consolas" panose="020B0609020204030204" pitchFamily="49" charset="0"/>
+              </a:rPr>
+              <a:t>csv.</a:t>
+            </a:r>
+            <a:r>
+              <a:rPr lang="en-US" sz="1700" b="1" dirty="0" err="1">
+                <a:solidFill>
+                  <a:srgbClr val="204A87"/>
+                </a:solidFill>
+                <a:highlight>
+                  <a:srgbClr val="FFFF00"/>
+                </a:highlight>
+                <a:latin typeface="Consolas" panose="020B0609020204030204" pitchFamily="49" charset="0"/>
+              </a:rPr>
+              <a:t>DictReader</a:t>
+            </a:r>
+            <a:r>
+              <a:rPr lang="en-US" sz="1700" b="1" dirty="0">
+                <a:solidFill>
+                  <a:srgbClr val="204A87"/>
+                </a:solidFill>
+                <a:latin typeface="Consolas" panose="020B0609020204030204" pitchFamily="49" charset="0"/>
+              </a:rPr>
+              <a:t>(f</a:t>
+            </a:r>
+            <a:r>
+              <a:rPr lang="en-US" sz="1700" b="1" dirty="0">
+                <a:solidFill>
+                  <a:srgbClr val="204A87"/>
+                </a:solidFill>
+                <a:highlight>
+                  <a:srgbClr val="FFFF00"/>
+                </a:highlight>
+                <a:latin typeface="Consolas" panose="020B0609020204030204" pitchFamily="49" charset="0"/>
+              </a:rPr>
+              <a:t>, fieldnames=fields</a:t>
+            </a:r>
+            <a:r>
+              <a:rPr lang="en-US" sz="1700" b="1" dirty="0">
+                <a:solidFill>
+                  <a:srgbClr val="204A87"/>
+                </a:solidFill>
+                <a:latin typeface="Consolas" panose="020B0609020204030204" pitchFamily="49" charset="0"/>
+              </a:rPr>
+              <a:t>)</a:t>
+            </a:r>
+          </a:p>
+          <a:p>
+            <a:r>
+              <a:rPr lang="en-US" sz="1700" b="1" dirty="0">
+                <a:solidFill>
+                  <a:srgbClr val="204A87"/>
+                </a:solidFill>
+                <a:latin typeface="Consolas" panose="020B0609020204030204" pitchFamily="49" charset="0"/>
+              </a:rPr>
+              <a:t>    </a:t>
+            </a:r>
+            <a:r>
+              <a:rPr lang="en-US" sz="1700" b="1" dirty="0" err="1">
+                <a:solidFill>
+                  <a:srgbClr val="204A87"/>
+                </a:solidFill>
+                <a:latin typeface="Consolas" panose="020B0609020204030204" pitchFamily="49" charset="0"/>
+              </a:rPr>
+              <a:t>zip_codes_table</a:t>
+            </a:r>
+            <a:r>
+              <a:rPr lang="en-US" sz="1700" b="1" dirty="0">
+                <a:solidFill>
+                  <a:srgbClr val="204A87"/>
+                </a:solidFill>
+                <a:latin typeface="Consolas" panose="020B0609020204030204" pitchFamily="49" charset="0"/>
+              </a:rPr>
+              <a:t> = list(reader)</a:t>
+            </a:r>
+          </a:p>
+          <a:p>
+            <a:endParaRPr lang="en-US" sz="1700" b="1" dirty="0">
+              <a:solidFill>
+                <a:srgbClr val="204A87"/>
+              </a:solidFill>
+              <a:latin typeface="Consolas" panose="020B0609020204030204" pitchFamily="49" charset="0"/>
+            </a:endParaRPr>
+          </a:p>
+          <a:p>
+            <a:r>
+              <a:rPr lang="en-US" sz="1700" b="1" dirty="0" err="1">
+                <a:solidFill>
+                  <a:srgbClr val="204A87"/>
+                </a:solidFill>
+                <a:latin typeface="Consolas" panose="020B0609020204030204" pitchFamily="49" charset="0"/>
+              </a:rPr>
+              <a:t>zip_codes_in_ny</a:t>
+            </a:r>
+            <a:r>
+              <a:rPr lang="en-US" sz="1700" b="1" dirty="0">
+                <a:solidFill>
+                  <a:srgbClr val="204A87"/>
+                </a:solidFill>
+                <a:latin typeface="Consolas" panose="020B0609020204030204" pitchFamily="49" charset="0"/>
+              </a:rPr>
+              <a:t> = 0</a:t>
+            </a:r>
+          </a:p>
+          <a:p>
+            <a:r>
+              <a:rPr lang="en-US" sz="1700" b="1" dirty="0">
+                <a:solidFill>
+                  <a:srgbClr val="204A87"/>
+                </a:solidFill>
+                <a:latin typeface="Consolas" panose="020B0609020204030204" pitchFamily="49" charset="0"/>
+              </a:rPr>
+              <a:t>for row in </a:t>
+            </a:r>
+            <a:r>
+              <a:rPr lang="en-US" sz="1700" b="1" dirty="0" err="1">
+                <a:solidFill>
+                  <a:srgbClr val="204A87"/>
+                </a:solidFill>
+                <a:latin typeface="Consolas" panose="020B0609020204030204" pitchFamily="49" charset="0"/>
+              </a:rPr>
+              <a:t>zip_codes_table</a:t>
+            </a:r>
+            <a:r>
+              <a:rPr lang="en-US" sz="1700" b="1" dirty="0">
+                <a:solidFill>
+                  <a:srgbClr val="204A87"/>
+                </a:solidFill>
+                <a:latin typeface="Consolas" panose="020B0609020204030204" pitchFamily="49" charset="0"/>
+              </a:rPr>
+              <a:t>:</a:t>
+            </a:r>
+          </a:p>
+          <a:p>
+            <a:r>
+              <a:rPr lang="en-US" sz="1700" b="1" dirty="0">
+                <a:solidFill>
+                  <a:srgbClr val="204A87"/>
+                </a:solidFill>
+                <a:latin typeface="Consolas" panose="020B0609020204030204" pitchFamily="49" charset="0"/>
+              </a:rPr>
+              <a:t>    if row['State </a:t>
+            </a:r>
+            <a:r>
+              <a:rPr lang="en-US" sz="1700" b="1" dirty="0" err="1">
+                <a:solidFill>
+                  <a:srgbClr val="204A87"/>
+                </a:solidFill>
+                <a:latin typeface="Consolas" panose="020B0609020204030204" pitchFamily="49" charset="0"/>
+              </a:rPr>
+              <a:t>Abbr</a:t>
+            </a:r>
+            <a:r>
+              <a:rPr lang="en-US" sz="1700" b="1" dirty="0">
+                <a:solidFill>
+                  <a:srgbClr val="204A87"/>
+                </a:solidFill>
+                <a:latin typeface="Consolas" panose="020B0609020204030204" pitchFamily="49" charset="0"/>
+              </a:rPr>
+              <a:t>'] == 'NY':</a:t>
+            </a:r>
+          </a:p>
+          <a:p>
+            <a:r>
+              <a:rPr lang="en-US" sz="1700" b="1" dirty="0">
+                <a:solidFill>
+                  <a:srgbClr val="204A87"/>
+                </a:solidFill>
+                <a:latin typeface="Consolas" panose="020B0609020204030204" pitchFamily="49" charset="0"/>
+              </a:rPr>
+              <a:t>        </a:t>
+            </a:r>
+            <a:r>
+              <a:rPr lang="en-US" sz="1700" b="1" dirty="0" err="1">
+                <a:solidFill>
+                  <a:srgbClr val="204A87"/>
+                </a:solidFill>
+                <a:latin typeface="Consolas" panose="020B0609020204030204" pitchFamily="49" charset="0"/>
+              </a:rPr>
+              <a:t>zip_codes_in_ny</a:t>
+            </a:r>
+            <a:r>
+              <a:rPr lang="en-US" sz="1700" b="1" dirty="0">
+                <a:solidFill>
+                  <a:srgbClr val="204A87"/>
+                </a:solidFill>
+                <a:latin typeface="Consolas" panose="020B0609020204030204" pitchFamily="49" charset="0"/>
+              </a:rPr>
+              <a:t> += 1</a:t>
+            </a:r>
+          </a:p>
+          <a:p>
+            <a:endParaRPr lang="en-US" sz="1700" b="1" dirty="0">
+              <a:solidFill>
+                <a:srgbClr val="204A87"/>
+              </a:solidFill>
+              <a:latin typeface="Consolas" panose="020B0609020204030204" pitchFamily="49" charset="0"/>
+            </a:endParaRPr>
+          </a:p>
+          <a:p>
+            <a:r>
+              <a:rPr lang="en-US" sz="1700" b="1" dirty="0">
+                <a:solidFill>
+                  <a:srgbClr val="204A87"/>
+                </a:solidFill>
+                <a:latin typeface="Consolas" panose="020B0609020204030204" pitchFamily="49" charset="0"/>
+              </a:rPr>
+              <a:t>print('There are ' + </a:t>
+            </a:r>
+            <a:r>
+              <a:rPr lang="en-US" sz="1700" b="1" dirty="0" err="1">
+                <a:solidFill>
+                  <a:srgbClr val="204A87"/>
+                </a:solidFill>
+                <a:latin typeface="Consolas" panose="020B0609020204030204" pitchFamily="49" charset="0"/>
+              </a:rPr>
+              <a:t>str</a:t>
+            </a:r>
+            <a:r>
+              <a:rPr lang="en-US" sz="1700" b="1" dirty="0">
+                <a:solidFill>
+                  <a:srgbClr val="204A87"/>
+                </a:solidFill>
+                <a:latin typeface="Consolas" panose="020B0609020204030204" pitchFamily="49" charset="0"/>
+              </a:rPr>
+              <a:t>(</a:t>
+            </a:r>
+            <a:r>
+              <a:rPr lang="en-US" sz="1700" b="1" dirty="0" err="1">
+                <a:solidFill>
+                  <a:srgbClr val="204A87"/>
+                </a:solidFill>
+                <a:latin typeface="Consolas" panose="020B0609020204030204" pitchFamily="49" charset="0"/>
+              </a:rPr>
+              <a:t>zip_codes_in_ny</a:t>
+            </a:r>
+            <a:r>
+              <a:rPr lang="en-US" sz="1700" b="1" dirty="0">
+                <a:solidFill>
+                  <a:srgbClr val="204A87"/>
+                </a:solidFill>
+                <a:latin typeface="Consolas" panose="020B0609020204030204" pitchFamily="49" charset="0"/>
+              </a:rPr>
+              <a:t>) + ' zip codes in New York.')</a:t>
+            </a:r>
+          </a:p>
+        </p:txBody>
+      </p:sp>
+      <p:sp>
+        <p:nvSpPr>
+          <p:cNvPr id="4" name="TextBox 3">
+            <a:extLst>
+              <a:ext uri="{FF2B5EF4-FFF2-40B4-BE49-F238E27FC236}">
+                <a16:creationId xmlns:a16="http://schemas.microsoft.com/office/drawing/2014/main" id="{6E1CD091-1969-7843-A92D-AF98B5A232BD}"/>
+              </a:ext>
+            </a:extLst>
+          </p:cNvPr>
+          <p:cNvSpPr txBox="1"/>
+          <p:nvPr/>
+        </p:nvSpPr>
+        <p:spPr>
+          <a:xfrm>
+            <a:off x="3261814" y="6488668"/>
+            <a:ext cx="2121093" cy="369332"/>
+          </a:xfrm>
+          <a:prstGeom prst="rect">
+            <a:avLst/>
+          </a:prstGeom>
+          <a:noFill/>
+        </p:spPr>
+        <p:txBody>
+          <a:bodyPr wrap="none" rtlCol="0">
+            <a:spAutoFit/>
+          </a:bodyPr>
+          <a:lstStyle/>
+          <a:p>
+            <a:r>
+              <a:rPr lang="en-US" dirty="0"/>
+              <a:t>&lt;zipcodes-ny4.py&gt;</a:t>
+            </a:r>
           </a:p>
         </p:txBody>
       </p:sp>
     </p:spTree>
     <p:extLst>
       <p:ext uri="{BB962C8B-B14F-4D97-AF65-F5344CB8AC3E}">
-        <p14:creationId xmlns:p14="http://schemas.microsoft.com/office/powerpoint/2010/main" val="3327894045"/>
+        <p14:creationId xmlns:p14="http://schemas.microsoft.com/office/powerpoint/2010/main" val="1618624555"/>
       </p:ext>
     </p:extLst>
   </p:cSld>
@@ -9458,7 +9521,7 @@
           <p:cNvPr id="2" name="Text Placeholder 1">
             <a:extLst>
               <a:ext uri="{FF2B5EF4-FFF2-40B4-BE49-F238E27FC236}">
-                <a16:creationId xmlns:a16="http://schemas.microsoft.com/office/drawing/2014/main" id="{06E88012-EA37-4246-8DA9-19B4AF6595E1}"/>
+                <a16:creationId xmlns:a16="http://schemas.microsoft.com/office/drawing/2014/main" id="{7F9925B4-2723-C241-86D6-37ECDC21595F}"/>
               </a:ext>
             </a:extLst>
           </p:cNvPr>
@@ -9469,43 +9532,55 @@
             <p:ph type="body" sz="quarter" idx="10"/>
           </p:nvPr>
         </p:nvSpPr>
-        <p:spPr>
-          <a:xfrm>
-            <a:off x="3344863" y="1143000"/>
-            <a:ext cx="7593012" cy="2177006"/>
-          </a:xfrm>
-        </p:spPr>
+        <p:spPr/>
         <p:txBody>
-          <a:bodyPr/>
+          <a:bodyPr>
+            <a:normAutofit lnSpcReduction="10000"/>
+          </a:bodyPr>
           <a:lstStyle/>
           <a:p>
             <a:r>
-              <a:rPr lang="en-US" dirty="0">
-                <a:solidFill>
-                  <a:schemeClr val="bg1"/>
-                </a:solidFill>
-              </a:rPr>
-              <a:t>4</a:t>
-            </a:r>
-          </a:p>
-          <a:p>
-            <a:r>
-              <a:rPr lang="en-US" dirty="0">
-                <a:solidFill>
-                  <a:schemeClr val="bg1"/>
-                </a:solidFill>
-              </a:rPr>
-              <a:t>CTECH403_M4_07</a:t>
-            </a:r>
-          </a:p>
-          <a:p>
-            <a:r>
-              <a:rPr lang="en-US" dirty="0">
-                <a:solidFill>
-                  <a:schemeClr val="bg1"/>
-                </a:solidFill>
-              </a:rPr>
-              <a:t>Writing CSV Files</a:t>
+              <a:rPr lang="en-US" dirty="0"/>
+              <a:t>This is a nice convenience.</a:t>
+            </a:r>
+          </a:p>
+          <a:p>
+            <a:r>
+              <a:rPr lang="en-US" dirty="0"/>
+              <a:t>And here's something even easier.</a:t>
+            </a:r>
+          </a:p>
+          <a:p>
+            <a:r>
+              <a:rPr lang="en-US" dirty="0"/>
+              <a:t>We can put the list of field names </a:t>
+            </a:r>
+            <a:r>
+              <a:rPr lang="en-US" i="1" dirty="0"/>
+              <a:t>in the CSV file itself</a:t>
+            </a:r>
+            <a:endParaRPr lang="en-US" dirty="0"/>
+          </a:p>
+          <a:p>
+            <a:r>
+              <a:rPr lang="en-US" dirty="0"/>
+              <a:t>There's a convention that the first line is a list of field names. If that's the case, you can omit the fieldnames in your program. </a:t>
+            </a:r>
+            <a:r>
+              <a:rPr lang="en-US" dirty="0" err="1"/>
+              <a:t>DictReader</a:t>
+            </a:r>
+            <a:r>
+              <a:rPr lang="en-US" dirty="0"/>
+              <a:t> will read the first line – the </a:t>
+            </a:r>
+            <a:r>
+              <a:rPr lang="en-US" i="1" dirty="0"/>
+              <a:t>header</a:t>
+            </a:r>
+            <a:r>
+              <a:rPr lang="en-US" dirty="0"/>
+              <a:t> line – and treat that as the field names for the rest of the file		</a:t>
             </a:r>
           </a:p>
         </p:txBody>
@@ -9513,7 +9588,7 @@
     </p:spTree>
     <p:extLst>
       <p:ext uri="{BB962C8B-B14F-4D97-AF65-F5344CB8AC3E}">
-        <p14:creationId xmlns:p14="http://schemas.microsoft.com/office/powerpoint/2010/main" val="1987762153"/>
+        <p14:creationId xmlns:p14="http://schemas.microsoft.com/office/powerpoint/2010/main" val="1636299917"/>
       </p:ext>
     </p:extLst>
   </p:cSld>
@@ -9542,10 +9617,10 @@
       </p:grpSpPr>
       <p:sp>
         <p:nvSpPr>
-          <p:cNvPr id="2" name="Text Placeholder 1">
+          <p:cNvPr id="3" name="Text Placeholder 2">
             <a:extLst>
               <a:ext uri="{FF2B5EF4-FFF2-40B4-BE49-F238E27FC236}">
-                <a16:creationId xmlns:a16="http://schemas.microsoft.com/office/drawing/2014/main" id="{4A715AB8-2A6A-9D41-8B69-75D2C3818A26}"/>
+                <a16:creationId xmlns:a16="http://schemas.microsoft.com/office/drawing/2014/main" id="{5621E0C6-52CE-A54D-9BD5-81A9A688E919}"/>
               </a:ext>
             </a:extLst>
           </p:cNvPr>
@@ -9553,75 +9628,162 @@
             <a:spLocks noGrp="1"/>
           </p:cNvSpPr>
           <p:nvPr>
-            <p:ph type="body" sz="quarter" idx="10"/>
+            <p:ph type="body" sz="quarter" idx="11"/>
           </p:nvPr>
         </p:nvSpPr>
         <p:spPr/>
         <p:txBody>
-          <a:bodyPr>
-            <a:normAutofit lnSpcReduction="10000"/>
-          </a:bodyPr>
+          <a:bodyPr/>
           <a:lstStyle/>
           <a:p>
-            <a:r>
-              <a:rPr lang="en-US" dirty="0"/>
-              <a:t>You don't just want to read data, you also want to write it, in case you make changes and need to hold on to them</a:t>
-            </a:r>
-          </a:p>
-          <a:p>
-            <a:r>
-              <a:rPr lang="en-US" dirty="0"/>
-              <a:t>As you might guess, there are also CSV </a:t>
-            </a:r>
-            <a:r>
-              <a:rPr lang="en-US" i="1" dirty="0"/>
-              <a:t>writers</a:t>
-            </a:r>
-            <a:r>
-              <a:rPr lang="en-US" dirty="0"/>
-              <a:t>. They're just as easy to use.</a:t>
-            </a:r>
-          </a:p>
-          <a:p>
-            <a:r>
-              <a:rPr lang="en-US" dirty="0"/>
-              <a:t>Use </a:t>
+            <a:endParaRPr lang="en-US"/>
+          </a:p>
+        </p:txBody>
+      </p:sp>
+      <p:sp>
+        <p:nvSpPr>
+          <p:cNvPr id="4" name="Text Placeholder 3">
+            <a:extLst>
+              <a:ext uri="{FF2B5EF4-FFF2-40B4-BE49-F238E27FC236}">
+                <a16:creationId xmlns:a16="http://schemas.microsoft.com/office/drawing/2014/main" id="{D683FEBA-CC44-0248-AA00-64E7DE3CFDCA}"/>
+              </a:ext>
+            </a:extLst>
+          </p:cNvPr>
+          <p:cNvSpPr>
+            <a:spLocks noGrp="1"/>
+          </p:cNvSpPr>
+          <p:nvPr>
+            <p:ph type="body" sz="quarter" idx="12"/>
+          </p:nvPr>
+        </p:nvSpPr>
+        <p:spPr>
+          <a:xfrm>
+            <a:off x="949123" y="368778"/>
+            <a:ext cx="10955577" cy="3417987"/>
+          </a:xfrm>
+        </p:spPr>
+        <p:txBody>
+          <a:bodyPr/>
+          <a:lstStyle/>
+          <a:p>
+            <a:r>
+              <a:rPr lang="en-US" dirty="0">
+                <a:highlight>
+                  <a:srgbClr val="FFFF00"/>
+                </a:highlight>
+              </a:rPr>
+              <a:t>Zip </a:t>
+            </a:r>
+            <a:r>
+              <a:rPr lang="en-US" dirty="0" err="1">
+                <a:highlight>
+                  <a:srgbClr val="FFFF00"/>
+                </a:highlight>
+              </a:rPr>
+              <a:t>Code,City,State,State</a:t>
+            </a:r>
+            <a:r>
+              <a:rPr lang="en-US" dirty="0">
+                <a:highlight>
+                  <a:srgbClr val="FFFF00"/>
+                </a:highlight>
+              </a:rPr>
+              <a:t> </a:t>
+            </a:r>
+            <a:r>
+              <a:rPr lang="en-US" dirty="0" err="1">
+                <a:highlight>
+                  <a:srgbClr val="FFFF00"/>
+                </a:highlight>
+              </a:rPr>
+              <a:t>Abbr,County,Latitude,Longitude</a:t>
+            </a:r>
+            <a:endParaRPr lang="en-US" dirty="0">
+              <a:highlight>
+                <a:srgbClr val="FFFF00"/>
+              </a:highlight>
+            </a:endParaRPr>
+          </a:p>
+          <a:p>
+            <a:r>
+              <a:rPr lang="en-US" dirty="0"/>
+              <a:t>99553,Akutan,Alaska,AK,Aleutians East,54.143,-165.7854</a:t>
+            </a:r>
+          </a:p>
+          <a:p>
+            <a:r>
+              <a:rPr lang="en-US" dirty="0"/>
+              <a:t>99571,Cold </a:t>
             </a:r>
             <a:r>
               <a:rPr lang="en-US" dirty="0" err="1"/>
-              <a:t>csv.writer</a:t>
-            </a:r>
-            <a:r>
-              <a:rPr lang="en-US" dirty="0"/>
-              <a:t> instead of </a:t>
+              <a:t>Bay,Alaska,AK,Aleutians</a:t>
+            </a:r>
+            <a:r>
+              <a:rPr lang="en-US" dirty="0"/>
+              <a:t> East,55.1858,-162.7211</a:t>
+            </a:r>
+          </a:p>
+          <a:p>
+            <a:r>
+              <a:rPr lang="en-US" dirty="0"/>
+              <a:t>99583,False </a:t>
             </a:r>
             <a:r>
               <a:rPr lang="en-US" dirty="0" err="1"/>
-              <a:t>csv.reader</a:t>
-            </a:r>
-            <a:r>
-              <a:rPr lang="en-US" dirty="0"/>
-              <a:t> (making sure the file is opened for writing)</a:t>
-            </a:r>
-          </a:p>
-          <a:p>
-            <a:r>
-              <a:rPr lang="en-US" dirty="0"/>
-              <a:t>Here's a program that reads the zip code database and then outputs only the zip codes north of 40 degrees latitude</a:t>
-            </a:r>
-          </a:p>
-          <a:p>
-            <a:endParaRPr lang="en-US" dirty="0"/>
-          </a:p>
-          <a:p>
-            <a:endParaRPr lang="en-US" dirty="0"/>
+              <a:t>Pass,Alaska,AK,Aleutians</a:t>
+            </a:r>
+            <a:r>
+              <a:rPr lang="en-US" dirty="0"/>
+              <a:t> East,54.8542,-163.4113</a:t>
+            </a:r>
+          </a:p>
+          <a:p>
+            <a:r>
+              <a:rPr lang="en-US" dirty="0"/>
+              <a:t>99612,King </a:t>
+            </a:r>
+            <a:r>
+              <a:rPr lang="en-US" dirty="0" err="1"/>
+              <a:t>Cove,Alaska,AK,Aleutians</a:t>
+            </a:r>
+            <a:r>
+              <a:rPr lang="en-US" dirty="0"/>
+              <a:t> East,55.0628,-162.3056</a:t>
+            </a:r>
+          </a:p>
+          <a:p>
+            <a:r>
+              <a:rPr lang="en-US" dirty="0"/>
+              <a:t>99661,Sand </a:t>
+            </a:r>
+            <a:r>
+              <a:rPr lang="en-US" dirty="0" err="1"/>
+              <a:t>Point,Alaska,AK,Aleutians</a:t>
+            </a:r>
+            <a:r>
+              <a:rPr lang="en-US" dirty="0"/>
+              <a:t> East,55.3192,-160.4914</a:t>
+            </a:r>
+          </a:p>
+          <a:p>
+            <a:r>
+              <a:rPr lang="en-US" dirty="0"/>
+              <a:t>99546,Adak,Alaska,AK,Aleutians West (CA),51.874,-176.634</a:t>
+            </a:r>
+          </a:p>
+          <a:p>
+            <a:r>
+              <a:rPr lang="en-US" dirty="0"/>
+              <a:t>99547,Atka,Alaska,AK,Aleutians West (CA),52.1961,-174.2006</a:t>
+            </a:r>
           </a:p>
         </p:txBody>
       </p:sp>
     </p:spTree>
     <p:extLst>
       <p:ext uri="{BB962C8B-B14F-4D97-AF65-F5344CB8AC3E}">
-        <p14:creationId xmlns:p14="http://schemas.microsoft.com/office/powerpoint/2010/main" val="3423176028"/>
+        <p14:creationId xmlns:p14="http://schemas.microsoft.com/office/powerpoint/2010/main" val="2587576816"/>
       </p:ext>
     </p:extLst>
   </p:cSld>
@@ -9650,10 +9812,10 @@
       </p:grpSpPr>
       <p:sp>
         <p:nvSpPr>
-          <p:cNvPr id="3" name="Text Placeholder 2">
+          <p:cNvPr id="2" name="Text Placeholder 1">
             <a:extLst>
               <a:ext uri="{FF2B5EF4-FFF2-40B4-BE49-F238E27FC236}">
-                <a16:creationId xmlns:a16="http://schemas.microsoft.com/office/drawing/2014/main" id="{C8112AB4-6F38-5842-9ACE-270D11835DB5}"/>
+                <a16:creationId xmlns:a16="http://schemas.microsoft.com/office/drawing/2014/main" id="{C4947681-E2A1-644F-9CAD-06437B9F271D}"/>
               </a:ext>
             </a:extLst>
           </p:cNvPr>
@@ -9664,10 +9826,35 @@
             <p:ph type="body" sz="quarter" idx="11"/>
           </p:nvPr>
         </p:nvSpPr>
+        <p:spPr/>
+        <p:txBody>
+          <a:bodyPr/>
+          <a:lstStyle/>
+          <a:p>
+            <a:endParaRPr lang="en-US"/>
+          </a:p>
+        </p:txBody>
+      </p:sp>
+      <p:sp>
+        <p:nvSpPr>
+          <p:cNvPr id="3" name="Text Placeholder 2">
+            <a:extLst>
+              <a:ext uri="{FF2B5EF4-FFF2-40B4-BE49-F238E27FC236}">
+                <a16:creationId xmlns:a16="http://schemas.microsoft.com/office/drawing/2014/main" id="{1EFBC616-6C2A-734B-801B-1DAAC86D6A00}"/>
+              </a:ext>
+            </a:extLst>
+          </p:cNvPr>
+          <p:cNvSpPr>
+            <a:spLocks noGrp="1"/>
+          </p:cNvSpPr>
+          <p:nvPr>
+            <p:ph type="body" sz="quarter" idx="12"/>
+          </p:nvPr>
+        </p:nvSpPr>
         <p:spPr>
           <a:xfrm>
-            <a:off x="5892800" y="359330"/>
-            <a:ext cx="6011900" cy="5495479"/>
+            <a:off x="949123" y="368778"/>
+            <a:ext cx="10955577" cy="1755994"/>
           </a:xfrm>
         </p:spPr>
         <p:txBody>
@@ -9681,341 +9868,110 @@
                 </a:solidFill>
                 <a:latin typeface="Consolas" panose="020B0609020204030204" pitchFamily="49" charset="0"/>
               </a:rPr>
-              <a:t>import csv</a:t>
-            </a:r>
-          </a:p>
-          <a:p>
+              <a:t># Split CSV file into a list of lines</a:t>
+            </a:r>
+          </a:p>
+          <a:p>
+            <a:r>
+              <a:rPr lang="en-US" b="1" dirty="0">
+                <a:solidFill>
+                  <a:srgbClr val="204A87"/>
+                </a:solidFill>
+                <a:latin typeface="Consolas" panose="020B0609020204030204" pitchFamily="49" charset="0"/>
+              </a:rPr>
+              <a:t>with open('</a:t>
+            </a:r>
+            <a:r>
+              <a:rPr lang="en-US" b="1" dirty="0" err="1">
+                <a:solidFill>
+                  <a:srgbClr val="204A87"/>
+                </a:solidFill>
+                <a:latin typeface="Consolas" panose="020B0609020204030204" pitchFamily="49" charset="0"/>
+              </a:rPr>
+              <a:t>zipcodesnamed.csv</a:t>
+            </a:r>
+            <a:r>
+              <a:rPr lang="en-US" b="1" dirty="0">
+                <a:solidFill>
+                  <a:srgbClr val="204A87"/>
+                </a:solidFill>
+                <a:latin typeface="Consolas" panose="020B0609020204030204" pitchFamily="49" charset="0"/>
+              </a:rPr>
+              <a:t>') as f:</a:t>
+            </a:r>
+          </a:p>
+          <a:p>
+            <a:r>
+              <a:rPr lang="en-US" b="1" dirty="0">
+                <a:solidFill>
+                  <a:srgbClr val="204A87"/>
+                </a:solidFill>
+                <a:latin typeface="Consolas" panose="020B0609020204030204" pitchFamily="49" charset="0"/>
+              </a:rPr>
+              <a:t>    reader = </a:t>
+            </a:r>
+            <a:r>
+              <a:rPr lang="en-US" b="1" dirty="0" err="1">
+                <a:solidFill>
+                  <a:srgbClr val="204A87"/>
+                </a:solidFill>
+                <a:latin typeface="Consolas" panose="020B0609020204030204" pitchFamily="49" charset="0"/>
+              </a:rPr>
+              <a:t>csv.DictReader</a:t>
+            </a:r>
+            <a:r>
+              <a:rPr lang="en-US" b="1" dirty="0">
+                <a:solidFill>
+                  <a:srgbClr val="204A87"/>
+                </a:solidFill>
+                <a:latin typeface="Consolas" panose="020B0609020204030204" pitchFamily="49" charset="0"/>
+              </a:rPr>
+              <a:t>(f)</a:t>
+            </a:r>
+          </a:p>
+          <a:p>
+            <a:r>
+              <a:rPr lang="en-US" b="1" dirty="0">
+                <a:solidFill>
+                  <a:srgbClr val="204A87"/>
+                </a:solidFill>
+                <a:latin typeface="Consolas" panose="020B0609020204030204" pitchFamily="49" charset="0"/>
+              </a:rPr>
+              <a:t>    </a:t>
+            </a:r>
+            <a:r>
+              <a:rPr lang="en-US" b="1" dirty="0" err="1">
+                <a:solidFill>
+                  <a:srgbClr val="204A87"/>
+                </a:solidFill>
+                <a:latin typeface="Consolas" panose="020B0609020204030204" pitchFamily="49" charset="0"/>
+              </a:rPr>
+              <a:t>zip_codes_table</a:t>
+            </a:r>
+            <a:r>
+              <a:rPr lang="en-US" b="1" dirty="0">
+                <a:solidFill>
+                  <a:srgbClr val="204A87"/>
+                </a:solidFill>
+                <a:latin typeface="Consolas" panose="020B0609020204030204" pitchFamily="49" charset="0"/>
+              </a:rPr>
+              <a:t> = list(reader)</a:t>
+            </a:r>
             <a:endParaRPr lang="en-US" b="1" dirty="0">
               <a:solidFill>
-                <a:srgbClr val="204A87"/>
+                <a:srgbClr val="000000"/>
               </a:solidFill>
               <a:latin typeface="Consolas" panose="020B0609020204030204" pitchFamily="49" charset="0"/>
             </a:endParaRPr>
           </a:p>
-          <a:p>
-            <a:r>
-              <a:rPr lang="en-US" b="1" dirty="0">
-                <a:solidFill>
-                  <a:srgbClr val="204A87"/>
-                </a:solidFill>
-                <a:latin typeface="Consolas" panose="020B0609020204030204" pitchFamily="49" charset="0"/>
-              </a:rPr>
-              <a:t># Split CSV file into a list of lines</a:t>
-            </a:r>
-          </a:p>
-          <a:p>
-            <a:r>
-              <a:rPr lang="en-US" b="1" dirty="0">
-                <a:solidFill>
-                  <a:srgbClr val="204A87"/>
-                </a:solidFill>
-                <a:latin typeface="Consolas" panose="020B0609020204030204" pitchFamily="49" charset="0"/>
-              </a:rPr>
-              <a:t>with open('</a:t>
-            </a:r>
-            <a:r>
-              <a:rPr lang="en-US" b="1" dirty="0" err="1">
-                <a:solidFill>
-                  <a:srgbClr val="204A87"/>
-                </a:solidFill>
-                <a:latin typeface="Consolas" panose="020B0609020204030204" pitchFamily="49" charset="0"/>
-              </a:rPr>
-              <a:t>zipcodes.csv</a:t>
-            </a:r>
-            <a:r>
-              <a:rPr lang="en-US" b="1" dirty="0">
-                <a:solidFill>
-                  <a:srgbClr val="204A87"/>
-                </a:solidFill>
-                <a:latin typeface="Consolas" panose="020B0609020204030204" pitchFamily="49" charset="0"/>
-              </a:rPr>
-              <a:t>') as </a:t>
-            </a:r>
-            <a:r>
-              <a:rPr lang="en-US" b="1" dirty="0" err="1">
-                <a:solidFill>
-                  <a:srgbClr val="204A87"/>
-                </a:solidFill>
-                <a:latin typeface="Consolas" panose="020B0609020204030204" pitchFamily="49" charset="0"/>
-              </a:rPr>
-              <a:t>f_in</a:t>
-            </a:r>
-            <a:r>
-              <a:rPr lang="en-US" b="1" dirty="0">
-                <a:solidFill>
-                  <a:srgbClr val="204A87"/>
-                </a:solidFill>
-                <a:latin typeface="Consolas" panose="020B0609020204030204" pitchFamily="49" charset="0"/>
-              </a:rPr>
-              <a:t>:</a:t>
-            </a:r>
-          </a:p>
-          <a:p>
-            <a:r>
-              <a:rPr lang="en-US" b="1" dirty="0">
-                <a:solidFill>
-                  <a:srgbClr val="204A87"/>
-                </a:solidFill>
-                <a:latin typeface="Consolas" panose="020B0609020204030204" pitchFamily="49" charset="0"/>
-              </a:rPr>
-              <a:t>    reader = </a:t>
-            </a:r>
-            <a:r>
-              <a:rPr lang="en-US" b="1" dirty="0" err="1">
-                <a:solidFill>
-                  <a:srgbClr val="204A87"/>
-                </a:solidFill>
-                <a:latin typeface="Consolas" panose="020B0609020204030204" pitchFamily="49" charset="0"/>
-              </a:rPr>
-              <a:t>csv.reader</a:t>
-            </a:r>
-            <a:r>
-              <a:rPr lang="en-US" b="1" dirty="0">
-                <a:solidFill>
-                  <a:srgbClr val="204A87"/>
-                </a:solidFill>
-                <a:latin typeface="Consolas" panose="020B0609020204030204" pitchFamily="49" charset="0"/>
-              </a:rPr>
-              <a:t>(</a:t>
-            </a:r>
-            <a:r>
-              <a:rPr lang="en-US" b="1" dirty="0" err="1">
-                <a:solidFill>
-                  <a:srgbClr val="204A87"/>
-                </a:solidFill>
-                <a:latin typeface="Consolas" panose="020B0609020204030204" pitchFamily="49" charset="0"/>
-              </a:rPr>
-              <a:t>f_in</a:t>
-            </a:r>
-            <a:r>
-              <a:rPr lang="en-US" b="1" dirty="0">
-                <a:solidFill>
-                  <a:srgbClr val="204A87"/>
-                </a:solidFill>
-                <a:latin typeface="Consolas" panose="020B0609020204030204" pitchFamily="49" charset="0"/>
-              </a:rPr>
-              <a:t>)</a:t>
-            </a:r>
-          </a:p>
-          <a:p>
-            <a:r>
-              <a:rPr lang="en-US" b="1" dirty="0">
-                <a:solidFill>
-                  <a:srgbClr val="204A87"/>
-                </a:solidFill>
-                <a:latin typeface="Consolas" panose="020B0609020204030204" pitchFamily="49" charset="0"/>
-              </a:rPr>
-              <a:t>    </a:t>
-            </a:r>
-            <a:r>
-              <a:rPr lang="en-US" b="1" dirty="0" err="1">
-                <a:solidFill>
-                  <a:srgbClr val="204A87"/>
-                </a:solidFill>
-                <a:latin typeface="Consolas" panose="020B0609020204030204" pitchFamily="49" charset="0"/>
-              </a:rPr>
-              <a:t>zip_codes_table</a:t>
-            </a:r>
-            <a:r>
-              <a:rPr lang="en-US" b="1" dirty="0">
-                <a:solidFill>
-                  <a:srgbClr val="204A87"/>
-                </a:solidFill>
-                <a:latin typeface="Consolas" panose="020B0609020204030204" pitchFamily="49" charset="0"/>
-              </a:rPr>
-              <a:t> = list(reader)</a:t>
-            </a:r>
-          </a:p>
-          <a:p>
-            <a:endParaRPr lang="en-US" b="1" dirty="0">
-              <a:solidFill>
-                <a:srgbClr val="204A87"/>
-              </a:solidFill>
-              <a:latin typeface="Consolas" panose="020B0609020204030204" pitchFamily="49" charset="0"/>
-            </a:endParaRPr>
-          </a:p>
-          <a:p>
-            <a:r>
-              <a:rPr lang="en-US" b="1" dirty="0">
-                <a:solidFill>
-                  <a:srgbClr val="204A87"/>
-                </a:solidFill>
-                <a:latin typeface="Consolas" panose="020B0609020204030204" pitchFamily="49" charset="0"/>
-              </a:rPr>
-              <a:t># Write only zip codes north of 40 degrees</a:t>
-            </a:r>
-          </a:p>
-          <a:p>
-            <a:r>
-              <a:rPr lang="en-US" b="1" dirty="0">
-                <a:solidFill>
-                  <a:srgbClr val="204A87"/>
-                </a:solidFill>
-                <a:latin typeface="Consolas" panose="020B0609020204030204" pitchFamily="49" charset="0"/>
-              </a:rPr>
-              <a:t>with open('</a:t>
-            </a:r>
-            <a:r>
-              <a:rPr lang="en-US" b="1" dirty="0" err="1">
-                <a:solidFill>
-                  <a:srgbClr val="204A87"/>
-                </a:solidFill>
-                <a:latin typeface="Consolas" panose="020B0609020204030204" pitchFamily="49" charset="0"/>
-              </a:rPr>
-              <a:t>zipcodes-out.csv','w</a:t>
-            </a:r>
-            <a:r>
-              <a:rPr lang="en-US" b="1" dirty="0">
-                <a:solidFill>
-                  <a:srgbClr val="204A87"/>
-                </a:solidFill>
-                <a:latin typeface="Consolas" panose="020B0609020204030204" pitchFamily="49" charset="0"/>
-              </a:rPr>
-              <a:t>') as </a:t>
-            </a:r>
-            <a:r>
-              <a:rPr lang="en-US" b="1" dirty="0" err="1">
-                <a:solidFill>
-                  <a:srgbClr val="204A87"/>
-                </a:solidFill>
-                <a:latin typeface="Consolas" panose="020B0609020204030204" pitchFamily="49" charset="0"/>
-              </a:rPr>
-              <a:t>f_out</a:t>
-            </a:r>
-            <a:r>
-              <a:rPr lang="en-US" b="1" dirty="0">
-                <a:solidFill>
-                  <a:srgbClr val="204A87"/>
-                </a:solidFill>
-                <a:latin typeface="Consolas" panose="020B0609020204030204" pitchFamily="49" charset="0"/>
-              </a:rPr>
-              <a:t>:</a:t>
-            </a:r>
-          </a:p>
-          <a:p>
-            <a:r>
-              <a:rPr lang="en-US" b="1" dirty="0">
-                <a:solidFill>
-                  <a:srgbClr val="204A87"/>
-                </a:solidFill>
-                <a:latin typeface="Consolas" panose="020B0609020204030204" pitchFamily="49" charset="0"/>
-              </a:rPr>
-              <a:t>    writer = </a:t>
-            </a:r>
-            <a:r>
-              <a:rPr lang="en-US" b="1" dirty="0" err="1">
-                <a:solidFill>
-                  <a:srgbClr val="204A87"/>
-                </a:solidFill>
-                <a:latin typeface="Consolas" panose="020B0609020204030204" pitchFamily="49" charset="0"/>
-              </a:rPr>
-              <a:t>csv.writer</a:t>
-            </a:r>
-            <a:r>
-              <a:rPr lang="en-US" b="1" dirty="0">
-                <a:solidFill>
-                  <a:srgbClr val="204A87"/>
-                </a:solidFill>
-                <a:latin typeface="Consolas" panose="020B0609020204030204" pitchFamily="49" charset="0"/>
-              </a:rPr>
-              <a:t>(</a:t>
-            </a:r>
-            <a:r>
-              <a:rPr lang="en-US" b="1" dirty="0" err="1">
-                <a:solidFill>
-                  <a:srgbClr val="204A87"/>
-                </a:solidFill>
-                <a:latin typeface="Consolas" panose="020B0609020204030204" pitchFamily="49" charset="0"/>
-              </a:rPr>
-              <a:t>f_out</a:t>
-            </a:r>
-            <a:r>
-              <a:rPr lang="en-US" b="1" dirty="0">
-                <a:solidFill>
-                  <a:srgbClr val="204A87"/>
-                </a:solidFill>
-                <a:latin typeface="Consolas" panose="020B0609020204030204" pitchFamily="49" charset="0"/>
-              </a:rPr>
-              <a:t>)</a:t>
-            </a:r>
-          </a:p>
-          <a:p>
-            <a:r>
-              <a:rPr lang="en-US" b="1" dirty="0">
-                <a:solidFill>
-                  <a:srgbClr val="204A87"/>
-                </a:solidFill>
-                <a:latin typeface="Consolas" panose="020B0609020204030204" pitchFamily="49" charset="0"/>
-              </a:rPr>
-              <a:t>    for row in </a:t>
-            </a:r>
-            <a:r>
-              <a:rPr lang="en-US" b="1" dirty="0" err="1">
-                <a:solidFill>
-                  <a:srgbClr val="204A87"/>
-                </a:solidFill>
-                <a:latin typeface="Consolas" panose="020B0609020204030204" pitchFamily="49" charset="0"/>
-              </a:rPr>
-              <a:t>zip_codes_table</a:t>
-            </a:r>
-            <a:r>
-              <a:rPr lang="en-US" b="1" dirty="0">
-                <a:solidFill>
-                  <a:srgbClr val="204A87"/>
-                </a:solidFill>
-                <a:latin typeface="Consolas" panose="020B0609020204030204" pitchFamily="49" charset="0"/>
-              </a:rPr>
-              <a:t>:</a:t>
-            </a:r>
-          </a:p>
-          <a:p>
-            <a:r>
-              <a:rPr lang="en-US" b="1" dirty="0">
-                <a:solidFill>
-                  <a:srgbClr val="204A87"/>
-                </a:solidFill>
-                <a:latin typeface="Consolas" panose="020B0609020204030204" pitchFamily="49" charset="0"/>
-              </a:rPr>
-              <a:t>        if float(row[5]) &gt; 40:</a:t>
-            </a:r>
-          </a:p>
-          <a:p>
-            <a:r>
-              <a:rPr lang="en-US" b="1" dirty="0">
-                <a:solidFill>
-                  <a:srgbClr val="204A87"/>
-                </a:solidFill>
-                <a:latin typeface="Consolas" panose="020B0609020204030204" pitchFamily="49" charset="0"/>
-              </a:rPr>
-              <a:t>            </a:t>
-            </a:r>
-            <a:r>
-              <a:rPr lang="en-US" b="1" dirty="0" err="1">
-                <a:solidFill>
-                  <a:srgbClr val="204A87"/>
-                </a:solidFill>
-                <a:latin typeface="Consolas" panose="020B0609020204030204" pitchFamily="49" charset="0"/>
-              </a:rPr>
-              <a:t>writer.writerow</a:t>
-            </a:r>
-            <a:r>
-              <a:rPr lang="en-US" b="1" dirty="0">
-                <a:solidFill>
-                  <a:srgbClr val="204A87"/>
-                </a:solidFill>
-                <a:latin typeface="Consolas" panose="020B0609020204030204" pitchFamily="49" charset="0"/>
-              </a:rPr>
-              <a:t>(row)</a:t>
-            </a:r>
-          </a:p>
         </p:txBody>
       </p:sp>
       <p:sp>
         <p:nvSpPr>
-          <p:cNvPr id="2" name="TextBox 1">
+          <p:cNvPr id="4" name="TextBox 3">
             <a:extLst>
               <a:ext uri="{FF2B5EF4-FFF2-40B4-BE49-F238E27FC236}">
-                <a16:creationId xmlns:a16="http://schemas.microsoft.com/office/drawing/2014/main" id="{DEAA27B9-1D9E-F747-82D3-48C3BB3DE15E}"/>
+                <a16:creationId xmlns:a16="http://schemas.microsoft.com/office/drawing/2014/main" id="{ED99A3EF-D34A-3242-8C33-A2EA76E77CFC}"/>
               </a:ext>
             </a:extLst>
           </p:cNvPr>
@@ -10024,8 +9980,8 @@
         </p:nvSpPr>
         <p:spPr>
           <a:xfrm>
-            <a:off x="2797791" y="3248167"/>
-            <a:ext cx="2262158" cy="369332"/>
+            <a:off x="3985146" y="3998794"/>
+            <a:ext cx="2121093" cy="369332"/>
           </a:xfrm>
           <a:prstGeom prst="rect">
             <a:avLst/>
@@ -10040,7 +9996,7 @@
           <a:p>
             <a:r>
               <a:rPr lang="en-US" dirty="0"/>
-              <a:t>&lt;zipcodes-deg1.py&gt;</a:t>
+              <a:t>&lt;zipcodes-ny5.py&gt;</a:t>
             </a:r>
           </a:p>
         </p:txBody>
@@ -10048,7 +10004,7 @@
     </p:spTree>
     <p:extLst>
       <p:ext uri="{BB962C8B-B14F-4D97-AF65-F5344CB8AC3E}">
-        <p14:creationId xmlns:p14="http://schemas.microsoft.com/office/powerpoint/2010/main" val="3118346346"/>
+        <p14:creationId xmlns:p14="http://schemas.microsoft.com/office/powerpoint/2010/main" val="1372655202"/>
       </p:ext>
     </p:extLst>
   </p:cSld>
@@ -10077,10 +10033,10 @@
       </p:grpSpPr>
       <p:sp>
         <p:nvSpPr>
-          <p:cNvPr id="2" name="Text Placeholder 1">
+          <p:cNvPr id="4" name="Text Placeholder 3">
             <a:extLst>
               <a:ext uri="{FF2B5EF4-FFF2-40B4-BE49-F238E27FC236}">
-                <a16:creationId xmlns:a16="http://schemas.microsoft.com/office/drawing/2014/main" id="{A0A6291E-ECBF-2E44-AC5B-805FEDAE59EF}"/>
+                <a16:creationId xmlns:a16="http://schemas.microsoft.com/office/drawing/2014/main" id="{4134C716-F908-EF45-841B-D7A8E7299371}"/>
               </a:ext>
             </a:extLst>
           </p:cNvPr>
@@ -10098,29 +10054,24 @@
           <a:p>
             <a:r>
               <a:rPr lang="en-US" dirty="0"/>
-              <a:t>The first half is standard: read the file and make a table of the rows</a:t>
-            </a:r>
-          </a:p>
-          <a:p>
-            <a:r>
-              <a:rPr lang="en-US" dirty="0"/>
-              <a:t>The second half loops through the rows. If it finds one where the latitude is greater than 40, it calls </a:t>
-            </a:r>
-            <a:r>
-              <a:rPr lang="en-US" dirty="0" err="1"/>
-              <a:t>write.writerow</a:t>
-            </a:r>
-            <a:r>
-              <a:rPr lang="en-US" dirty="0"/>
-              <a:t>() to output it.</a:t>
-            </a:r>
+              <a:t>It was very thoughtful of whoever wrote the CSV file to put a header row in there for you</a:t>
+            </a:r>
+          </a:p>
+          <a:p>
+            <a:r>
+              <a:rPr lang="en-US" dirty="0"/>
+              <a:t>How can you pay it forward and put a header row in the CSVs you write for the next reader?</a:t>
+            </a:r>
+          </a:p>
+          <a:p>
+            <a:endParaRPr lang="en-US" dirty="0"/>
           </a:p>
         </p:txBody>
       </p:sp>
     </p:spTree>
     <p:extLst>
       <p:ext uri="{BB962C8B-B14F-4D97-AF65-F5344CB8AC3E}">
-        <p14:creationId xmlns:p14="http://schemas.microsoft.com/office/powerpoint/2010/main" val="3951474409"/>
+        <p14:creationId xmlns:p14="http://schemas.microsoft.com/office/powerpoint/2010/main" val="2569119615"/>
       </p:ext>
     </p:extLst>
   </p:cSld>
@@ -10152,7 +10103,7 @@
           <p:cNvPr id="2" name="Text Placeholder 1">
             <a:extLst>
               <a:ext uri="{FF2B5EF4-FFF2-40B4-BE49-F238E27FC236}">
-                <a16:creationId xmlns:a16="http://schemas.microsoft.com/office/drawing/2014/main" id="{0740CB0E-7117-014C-8A7C-0BEFD5C43B81}"/>
+                <a16:creationId xmlns:a16="http://schemas.microsoft.com/office/drawing/2014/main" id="{CD80E1B0-38BE-E147-AFF2-A8CAA984C54F}"/>
               </a:ext>
             </a:extLst>
           </p:cNvPr>
@@ -10170,21 +10121,7 @@
           <a:p>
             <a:r>
               <a:rPr lang="en-US" dirty="0"/>
-              <a:t>It's just ever so slightly trickier if you have field names.</a:t>
-            </a:r>
-          </a:p>
-          <a:p>
-            <a:r>
-              <a:rPr lang="en-US" dirty="0"/>
-              <a:t>Approach one: read and write them </a:t>
-            </a:r>
-            <a:r>
-              <a:rPr lang="en-US" dirty="0" err="1"/>
-              <a:t>mantually</a:t>
-            </a:r>
-            <a:r>
-              <a:rPr lang="en-US" dirty="0"/>
-              <a:t>.</a:t>
+              <a:t>Approach one: write it manually.</a:t>
             </a:r>
           </a:p>
         </p:txBody>
@@ -10192,7 +10129,7 @@
     </p:spTree>
     <p:extLst>
       <p:ext uri="{BB962C8B-B14F-4D97-AF65-F5344CB8AC3E}">
-        <p14:creationId xmlns:p14="http://schemas.microsoft.com/office/powerpoint/2010/main" val="3608743650"/>
+        <p14:creationId xmlns:p14="http://schemas.microsoft.com/office/powerpoint/2010/main" val="3379382978"/>
       </p:ext>
     </p:extLst>
   </p:cSld>
@@ -10621,6 +10558,9 @@
                 <a:solidFill>
                   <a:srgbClr val="204A87"/>
                 </a:solidFill>
+                <a:highlight>
+                  <a:srgbClr val="FFFF00"/>
+                </a:highlight>
                 <a:latin typeface="Consolas" panose="020B0609020204030204" pitchFamily="49" charset="0"/>
               </a:rPr>
               <a:t>writer.writerow</a:t>
@@ -10630,6 +10570,9 @@
                 <a:solidFill>
                   <a:srgbClr val="204A87"/>
                 </a:solidFill>
+                <a:highlight>
+                  <a:srgbClr val="FFFF00"/>
+                </a:highlight>
                 <a:latin typeface="Consolas" panose="020B0609020204030204" pitchFamily="49" charset="0"/>
               </a:rPr>
               <a:t>(headers)</a:t>
@@ -10797,7 +10740,15 @@
           <a:p>
             <a:r>
               <a:rPr lang="en-US" dirty="0"/>
-              <a:t>Or, use </a:t>
+              <a:t>Since you've met </a:t>
+            </a:r>
+            <a:r>
+              <a:rPr lang="en-US" dirty="0" err="1"/>
+              <a:t>DictReader</a:t>
+            </a:r>
+            <a:r>
+              <a:rPr lang="en-US" dirty="0"/>
+              <a:t>, would it surprise you that there is also </a:t>
             </a:r>
             <a:r>
               <a:rPr lang="en-US" dirty="0" err="1"/>
@@ -10805,31 +10756,34 @@
             </a:r>
             <a:r>
               <a:rPr lang="en-US" dirty="0"/>
-              <a:t>, which writes the headers automatically for you.</a:t>
-            </a:r>
-          </a:p>
-          <a:p>
-            <a:r>
-              <a:rPr lang="en-US" dirty="0"/>
-              <a:t>The one challenge: you need to tell it what </a:t>
-            </a:r>
-            <a:r>
-              <a:rPr lang="en-US" i="1" dirty="0"/>
-              <a:t>order</a:t>
-            </a:r>
-            <a:r>
-              <a:rPr lang="en-US" dirty="0"/>
-              <a:t> the headers are in, since dictionaries don't track the order of key-value pairs</a:t>
-            </a:r>
-          </a:p>
-          <a:p>
-            <a:r>
-              <a:rPr lang="en-US" dirty="0"/>
-              <a:t>We'll cheat: since we're writing the headers, we don't really care what order they go in. So we can use any list of the field names without worrying abut its order. Let's just use .keys() to grab one from the table itself.</a:t>
-            </a:r>
-          </a:p>
-          <a:p>
-            <a:endParaRPr lang="en-US" dirty="0"/>
+              <a:t>?</a:t>
+            </a:r>
+          </a:p>
+          <a:p>
+            <a:r>
+              <a:rPr lang="en-US" dirty="0"/>
+              <a:t>You give it a list of the headers when you create it.</a:t>
+            </a:r>
+          </a:p>
+          <a:p>
+            <a:r>
+              <a:rPr lang="en-US" dirty="0"/>
+              <a:t>Let's just use .keys() to grab a list of the headers from the table itself.</a:t>
+            </a:r>
+          </a:p>
+          <a:p>
+            <a:r>
+              <a:rPr lang="en-US" dirty="0"/>
+              <a:t>Then it has a command, </a:t>
+            </a:r>
+            <a:r>
+              <a:rPr lang="en-US" dirty="0" err="1"/>
+              <a:t>writeheader</a:t>
+            </a:r>
+            <a:r>
+              <a:rPr lang="en-US" dirty="0"/>
+              <a:t>(), which you should call before writing any rows (since headers come at the top of a table)</a:t>
+            </a:r>
           </a:p>
         </p:txBody>
       </p:sp>
@@ -11376,6 +11330,92 @@
       </p:grpSpPr>
       <p:sp>
         <p:nvSpPr>
+          <p:cNvPr id="2" name="Text Placeholder 1">
+            <a:extLst>
+              <a:ext uri="{FF2B5EF4-FFF2-40B4-BE49-F238E27FC236}">
+                <a16:creationId xmlns:a16="http://schemas.microsoft.com/office/drawing/2014/main" id="{B7733A8A-B9D5-B845-ADA6-F5F6E4BC09F2}"/>
+              </a:ext>
+            </a:extLst>
+          </p:cNvPr>
+          <p:cNvSpPr>
+            <a:spLocks noGrp="1"/>
+          </p:cNvSpPr>
+          <p:nvPr>
+            <p:ph type="body" sz="quarter" idx="10"/>
+          </p:nvPr>
+        </p:nvSpPr>
+        <p:spPr/>
+        <p:txBody>
+          <a:bodyPr/>
+          <a:lstStyle/>
+          <a:p>
+            <a:r>
+              <a:rPr lang="en-US" dirty="0"/>
+              <a:t>Headers make explicit a number of tedious but unavoidable file format issues</a:t>
+            </a:r>
+          </a:p>
+          <a:p>
+            <a:r>
+              <a:rPr lang="en-US" dirty="0"/>
+              <a:t>From here on, we will just use CSVs that have an explicit header row, </a:t>
+            </a:r>
+          </a:p>
+          <a:p>
+            <a:r>
+              <a:rPr lang="en-US" dirty="0"/>
+              <a:t>And we will use </a:t>
+            </a:r>
+            <a:r>
+              <a:rPr lang="en-US" dirty="0" err="1"/>
+              <a:t>DictReader</a:t>
+            </a:r>
+            <a:r>
+              <a:rPr lang="en-US" dirty="0"/>
+              <a:t> and </a:t>
+            </a:r>
+            <a:r>
+              <a:rPr lang="en-US" dirty="0" err="1"/>
+              <a:t>DictWriter</a:t>
+            </a:r>
+            <a:r>
+              <a:rPr lang="en-US" dirty="0"/>
+              <a:t> to work with them</a:t>
+            </a:r>
+          </a:p>
+        </p:txBody>
+      </p:sp>
+    </p:spTree>
+    <p:extLst>
+      <p:ext uri="{BB962C8B-B14F-4D97-AF65-F5344CB8AC3E}">
+        <p14:creationId xmlns:p14="http://schemas.microsoft.com/office/powerpoint/2010/main" val="3327894045"/>
+      </p:ext>
+    </p:extLst>
+  </p:cSld>
+  <p:clrMapOvr>
+    <a:masterClrMapping/>
+  </p:clrMapOvr>
+</p:sld>
+</file>
+
+<file path=ppt/slides/slide64.xml><?xml version="1.0" encoding="utf-8"?>
+<p:sld xmlns:a="http://schemas.openxmlformats.org/drawingml/2006/main" xmlns:r="http://schemas.openxmlformats.org/officeDocument/2006/relationships" xmlns:p="http://schemas.openxmlformats.org/presentationml/2006/main">
+  <p:cSld>
+    <p:spTree>
+      <p:nvGrpSpPr>
+        <p:cNvPr id="1" name=""/>
+        <p:cNvGrpSpPr/>
+        <p:nvPr/>
+      </p:nvGrpSpPr>
+      <p:grpSpPr>
+        <a:xfrm>
+          <a:off x="0" y="0"/>
+          <a:ext cx="0" cy="0"/>
+          <a:chOff x="0" y="0"/>
+          <a:chExt cx="0" cy="0"/>
+        </a:xfrm>
+      </p:grpSpPr>
+      <p:sp>
+        <p:nvSpPr>
           <p:cNvPr id="4" name="Text Placeholder 3">
             <a:extLst>
               <a:ext uri="{FF2B5EF4-FFF2-40B4-BE49-F238E27FC236}">
@@ -11396,34 +11436,13 @@
           <a:lstStyle/>
           <a:p>
             <a:r>
-              <a:rPr lang="en-US" dirty="0"/>
-              <a:t>There you go.</a:t>
-            </a:r>
-          </a:p>
-          <a:p>
-            <a:r>
-              <a:rPr lang="en-US" dirty="0"/>
-              <a:t>Grab the headers, use them when creating the </a:t>
-            </a:r>
-            <a:r>
-              <a:rPr lang="en-US" dirty="0" err="1"/>
-              <a:t>DictWriter</a:t>
-            </a:r>
-            <a:r>
-              <a:rPr lang="en-US" dirty="0"/>
-              <a:t>, and then remember to tell it explicitly to write the headers.</a:t>
-            </a:r>
-          </a:p>
-          <a:p>
-            <a:r>
-              <a:rPr lang="en-US" dirty="0"/>
-              <a:t>Congratulations. Now you know how to read, inspect, modify, and </a:t>
-            </a:r>
-            <a:r>
               <a:rPr lang="en-US"/>
-              <a:t>write CSV files.</a:t>
-            </a:r>
-            <a:endParaRPr lang="en-US" dirty="0"/>
+              <a:t>Congratulations</a:t>
+            </a:r>
+            <a:r>
+              <a:rPr lang="en-US" dirty="0"/>
+              <a:t>. Now you know how to read, inspect, modify, and write CSV files.</a:t>
+            </a:r>
           </a:p>
         </p:txBody>
       </p:sp>
